--- a/Project/presentation.pptx
+++ b/Project/presentation.pptx
@@ -6,49 +6,52 @@
   </p:sldMasterIdLst>
   <p:sldIdLst>
     <p:sldId id="256" r:id="rId2"/>
-    <p:sldId id="257" r:id="rId3"/>
-    <p:sldId id="258" r:id="rId4"/>
-    <p:sldId id="260" r:id="rId5"/>
-    <p:sldId id="262" r:id="rId6"/>
-    <p:sldId id="261" r:id="rId7"/>
-    <p:sldId id="263" r:id="rId8"/>
-    <p:sldId id="264" r:id="rId9"/>
-    <p:sldId id="265" r:id="rId10"/>
+    <p:sldId id="258" r:id="rId3"/>
+    <p:sldId id="257" r:id="rId4"/>
+    <p:sldId id="266" r:id="rId5"/>
+    <p:sldId id="260" r:id="rId6"/>
+    <p:sldId id="262" r:id="rId7"/>
+    <p:sldId id="261" r:id="rId8"/>
+    <p:sldId id="263" r:id="rId9"/>
+    <p:sldId id="264" r:id="rId10"/>
+    <p:sldId id="268" r:id="rId11"/>
+    <p:sldId id="267" r:id="rId12"/>
+    <p:sldId id="265" r:id="rId13"/>
   </p:sldIdLst>
   <p:sldSz cx="12192000" cy="6858000"/>
   <p:notesSz cx="6858000" cy="9144000"/>
   <p:embeddedFontLst>
     <p:embeddedFont>
+      <p:font typeface="Calibri" panose="020F0502020204030204" pitchFamily="34" charset="0"/>
+      <p:regular r:id="rId14"/>
+      <p:bold r:id="rId15"/>
+      <p:italic r:id="rId16"/>
+      <p:boldItalic r:id="rId17"/>
+    </p:embeddedFont>
+    <p:embeddedFont>
+      <p:font typeface="Calibri Light" panose="020F0302020204030204" pitchFamily="34" charset="0"/>
+      <p:regular r:id="rId18"/>
+      <p:italic r:id="rId19"/>
+    </p:embeddedFont>
+    <p:embeddedFont>
       <p:font typeface="NanumSquare Bold" panose="020B0600000101010101" pitchFamily="34" charset="-127"/>
-      <p:bold r:id="rId11"/>
+      <p:bold r:id="rId20"/>
     </p:embeddedFont>
     <p:embeddedFont>
       <p:font typeface="NanumSquare ExtraBold" panose="020B0600000101010101" pitchFamily="34" charset="-127"/>
-      <p:bold r:id="rId12"/>
+      <p:bold r:id="rId21"/>
     </p:embeddedFont>
     <p:embeddedFont>
       <p:font typeface="NanumSquare Light" panose="020B0600000101010101" pitchFamily="34" charset="-127"/>
-      <p:regular r:id="rId13"/>
+      <p:regular r:id="rId22"/>
     </p:embeddedFont>
     <p:embeddedFont>
       <p:font typeface="NanumSquareRound Bold" panose="020B0600000101010101" pitchFamily="34" charset="-127"/>
-      <p:bold r:id="rId14"/>
+      <p:bold r:id="rId23"/>
     </p:embeddedFont>
     <p:embeddedFont>
       <p:font typeface="NanumSquareRound Light" panose="020B0600000101010101" pitchFamily="34" charset="-127"/>
-      <p:regular r:id="rId15"/>
-    </p:embeddedFont>
-    <p:embeddedFont>
-      <p:font typeface="Calibri" panose="020F0502020204030204" pitchFamily="34" charset="0"/>
-      <p:regular r:id="rId16"/>
-      <p:bold r:id="rId17"/>
-      <p:italic r:id="rId18"/>
-      <p:boldItalic r:id="rId19"/>
-    </p:embeddedFont>
-    <p:embeddedFont>
-      <p:font typeface="Calibri Light" panose="020F0302020204030204" pitchFamily="34" charset="0"/>
-      <p:regular r:id="rId20"/>
-      <p:italic r:id="rId21"/>
+      <p:regular r:id="rId24"/>
     </p:embeddedFont>
   </p:embeddedFontLst>
   <p:defaultTextStyle>
@@ -314,7 +317,7 @@
           <a:p>
             <a:fld id="{F5C97ECD-B6DF-BD40-A6EF-330FFB866535}" type="datetimeFigureOut">
               <a:rPr lang="en-KR" smtClean="0"/>
-              <a:t>12/11/23</a:t>
+              <a:t>12/12/23</a:t>
             </a:fld>
             <a:endParaRPr lang="en-KR"/>
           </a:p>
@@ -514,7 +517,7 @@
           <a:p>
             <a:fld id="{F5C97ECD-B6DF-BD40-A6EF-330FFB866535}" type="datetimeFigureOut">
               <a:rPr lang="en-KR" smtClean="0"/>
-              <a:t>12/11/23</a:t>
+              <a:t>12/12/23</a:t>
             </a:fld>
             <a:endParaRPr lang="en-KR"/>
           </a:p>
@@ -724,7 +727,7 @@
           <a:p>
             <a:fld id="{F5C97ECD-B6DF-BD40-A6EF-330FFB866535}" type="datetimeFigureOut">
               <a:rPr lang="en-KR" smtClean="0"/>
-              <a:t>12/11/23</a:t>
+              <a:t>12/12/23</a:t>
             </a:fld>
             <a:endParaRPr lang="en-KR"/>
           </a:p>
@@ -924,7 +927,7 @@
           <a:p>
             <a:fld id="{F5C97ECD-B6DF-BD40-A6EF-330FFB866535}" type="datetimeFigureOut">
               <a:rPr lang="en-KR" smtClean="0"/>
-              <a:t>12/11/23</a:t>
+              <a:t>12/12/23</a:t>
             </a:fld>
             <a:endParaRPr lang="en-KR"/>
           </a:p>
@@ -1200,7 +1203,7 @@
           <a:p>
             <a:fld id="{F5C97ECD-B6DF-BD40-A6EF-330FFB866535}" type="datetimeFigureOut">
               <a:rPr lang="en-KR" smtClean="0"/>
-              <a:t>12/11/23</a:t>
+              <a:t>12/12/23</a:t>
             </a:fld>
             <a:endParaRPr lang="en-KR"/>
           </a:p>
@@ -1468,7 +1471,7 @@
           <a:p>
             <a:fld id="{F5C97ECD-B6DF-BD40-A6EF-330FFB866535}" type="datetimeFigureOut">
               <a:rPr lang="en-KR" smtClean="0"/>
-              <a:t>12/11/23</a:t>
+              <a:t>12/12/23</a:t>
             </a:fld>
             <a:endParaRPr lang="en-KR"/>
           </a:p>
@@ -1883,7 +1886,7 @@
           <a:p>
             <a:fld id="{F5C97ECD-B6DF-BD40-A6EF-330FFB866535}" type="datetimeFigureOut">
               <a:rPr lang="en-KR" smtClean="0"/>
-              <a:t>12/11/23</a:t>
+              <a:t>12/12/23</a:t>
             </a:fld>
             <a:endParaRPr lang="en-KR"/>
           </a:p>
@@ -2025,7 +2028,7 @@
           <a:p>
             <a:fld id="{F5C97ECD-B6DF-BD40-A6EF-330FFB866535}" type="datetimeFigureOut">
               <a:rPr lang="en-KR" smtClean="0"/>
-              <a:t>12/11/23</a:t>
+              <a:t>12/12/23</a:t>
             </a:fld>
             <a:endParaRPr lang="en-KR"/>
           </a:p>
@@ -2138,7 +2141,7 @@
           <a:p>
             <a:fld id="{F5C97ECD-B6DF-BD40-A6EF-330FFB866535}" type="datetimeFigureOut">
               <a:rPr lang="en-KR" smtClean="0"/>
-              <a:t>12/11/23</a:t>
+              <a:t>12/12/23</a:t>
             </a:fld>
             <a:endParaRPr lang="en-KR"/>
           </a:p>
@@ -2451,7 +2454,7 @@
           <a:p>
             <a:fld id="{F5C97ECD-B6DF-BD40-A6EF-330FFB866535}" type="datetimeFigureOut">
               <a:rPr lang="en-KR" smtClean="0"/>
-              <a:t>12/11/23</a:t>
+              <a:t>12/12/23</a:t>
             </a:fld>
             <a:endParaRPr lang="en-KR"/>
           </a:p>
@@ -2740,7 +2743,7 @@
           <a:p>
             <a:fld id="{F5C97ECD-B6DF-BD40-A6EF-330FFB866535}" type="datetimeFigureOut">
               <a:rPr lang="en-KR" smtClean="0"/>
-              <a:t>12/11/23</a:t>
+              <a:t>12/12/23</a:t>
             </a:fld>
             <a:endParaRPr lang="en-KR"/>
           </a:p>
@@ -2983,7 +2986,7 @@
           <a:p>
             <a:fld id="{F5C97ECD-B6DF-BD40-A6EF-330FFB866535}" type="datetimeFigureOut">
               <a:rPr lang="en-KR" smtClean="0"/>
-              <a:t>12/11/23</a:t>
+              <a:t>12/12/23</a:t>
             </a:fld>
             <a:endParaRPr lang="en-KR"/>
           </a:p>
@@ -3692,7 +3695,7 @@
 </p:sld>
 </file>
 
-<file path=ppt/slides/slide2.xml><?xml version="1.0" encoding="utf-8"?>
+<file path=ppt/slides/slide10.xml><?xml version="1.0" encoding="utf-8"?>
 <p:sld xmlns:a="http://schemas.openxmlformats.org/drawingml/2006/main" xmlns:r="http://schemas.openxmlformats.org/officeDocument/2006/relationships" xmlns:p="http://schemas.openxmlformats.org/presentationml/2006/main">
   <p:cSld>
     <p:spTree>
@@ -3827,7 +3830,7 @@
         <p:spPr>
           <a:xfrm>
             <a:off x="211016" y="150725"/>
-            <a:ext cx="3705566" cy="461665"/>
+            <a:ext cx="1850186" cy="461665"/>
           </a:xfrm>
           <a:prstGeom prst="rect">
             <a:avLst/>
@@ -3845,17 +3848,17 @@
                 <a:latin typeface="NanumSquare Bold" panose="020B0600000101010101" pitchFamily="34" charset="-127"/>
                 <a:ea typeface="NanumSquare Bold" panose="020B0600000101010101" pitchFamily="34" charset="-127"/>
               </a:rPr>
-              <a:t>Problem Definition: KNN</a:t>
-            </a:r>
-          </a:p>
-        </p:txBody>
-      </p:sp>
-      <p:sp>
-        <p:nvSpPr>
-          <p:cNvPr id="8" name="TextBox 7">
-            <a:extLst>
-              <a:ext uri="{FF2B5EF4-FFF2-40B4-BE49-F238E27FC236}">
-                <a16:creationId xmlns:a16="http://schemas.microsoft.com/office/drawing/2014/main" id="{C8D872E1-A00D-A9C5-AC2F-EF34823E0433}"/>
+              <a:t>Experiment</a:t>
+            </a:r>
+          </a:p>
+        </p:txBody>
+      </p:sp>
+      <p:sp>
+        <p:nvSpPr>
+          <p:cNvPr id="2" name="TextBox 1">
+            <a:extLst>
+              <a:ext uri="{FF2B5EF4-FFF2-40B4-BE49-F238E27FC236}">
+                <a16:creationId xmlns:a16="http://schemas.microsoft.com/office/drawing/2014/main" id="{C092ACAF-026A-EE2D-A8D5-F424B0813579}"/>
               </a:ext>
             </a:extLst>
           </p:cNvPr>
@@ -3864,8 +3867,8 @@
         </p:nvSpPr>
         <p:spPr>
           <a:xfrm>
-            <a:off x="311504" y="2250857"/>
-            <a:ext cx="6209880" cy="2356286"/>
+            <a:off x="473269" y="1546761"/>
+            <a:ext cx="9023419" cy="3279616"/>
           </a:xfrm>
           <a:prstGeom prst="rect">
             <a:avLst/>
@@ -3888,7 +3891,7 @@
                 <a:latin typeface="NanumSquare Light" panose="020B0600000101010101" pitchFamily="34" charset="-127"/>
                 <a:ea typeface="NanumSquare Light" panose="020B0600000101010101" pitchFamily="34" charset="-127"/>
               </a:rPr>
-              <a:t>- KNN(K-Nearest Neighbors)</a:t>
+              <a:t>Test</a:t>
             </a:r>
           </a:p>
           <a:p>
@@ -3902,7 +3905,7 @@
                 <a:latin typeface="NanumSquare Light" panose="020B0600000101010101" pitchFamily="34" charset="-127"/>
                 <a:ea typeface="NanumSquare Light" panose="020B0600000101010101" pitchFamily="34" charset="-127"/>
               </a:rPr>
-              <a:t>- Find K nearest neighbors of all individual n points in d-dimensional space</a:t>
+              <a:t>- 2D points in Cube, n=1M, d=2, k=1, rounds=3</a:t>
             </a:r>
           </a:p>
           <a:p>
@@ -3916,62 +3919,71 @@
                 <a:latin typeface="NanumSquare Light" panose="020B0600000101010101" pitchFamily="34" charset="-127"/>
                 <a:ea typeface="NanumSquare Light" panose="020B0600000101010101" pitchFamily="34" charset="-127"/>
               </a:rPr>
-              <a:t>- Often used in classifier or regression tasks in machine learning</a:t>
-            </a:r>
-          </a:p>
-        </p:txBody>
-      </p:sp>
-      <p:pic>
-        <p:nvPicPr>
-          <p:cNvPr id="2050" name="Picture 2" descr="머신러닝 - 6. K-최근접 이웃(KNN)">
-            <a:extLst>
-              <a:ext uri="{FF2B5EF4-FFF2-40B4-BE49-F238E27FC236}">
-                <a16:creationId xmlns:a16="http://schemas.microsoft.com/office/drawing/2014/main" id="{C84F1744-0BDA-1D29-A413-EB7261FDAD7F}"/>
-              </a:ext>
-            </a:extLst>
-          </p:cNvPr>
-          <p:cNvPicPr>
-            <a:picLocks noChangeAspect="1" noChangeArrowheads="1"/>
-          </p:cNvPicPr>
-          <p:nvPr/>
-        </p:nvPicPr>
-        <p:blipFill>
-          <a:blip r:embed="rId3">
-            <a:extLst>
-              <a:ext uri="{28A0092B-C50C-407E-A947-70E740481C1C}">
-                <a14:useLocalDpi xmlns:a14="http://schemas.microsoft.com/office/drawing/2010/main" val="0"/>
-              </a:ext>
-            </a:extLst>
-          </a:blip>
-          <a:srcRect/>
-          <a:stretch>
-            <a:fillRect/>
-          </a:stretch>
-        </p:blipFill>
-        <p:spPr bwMode="auto">
-          <a:xfrm>
-            <a:off x="6695367" y="1446247"/>
-            <a:ext cx="5104745" cy="3816632"/>
-          </a:xfrm>
-          <a:prstGeom prst="rect">
-            <a:avLst/>
-          </a:prstGeom>
-          <a:noFill/>
-          <a:extLst>
-            <a:ext uri="{909E8E84-426E-40DD-AFC4-6F175D3DCCD1}">
-              <a14:hiddenFill xmlns:a14="http://schemas.microsoft.com/office/drawing/2010/main">
-                <a:solidFill>
-                  <a:srgbClr val="FFFFFF"/>
-                </a:solidFill>
-              </a14:hiddenFill>
-            </a:ext>
-          </a:extLst>
-        </p:spPr>
-      </p:pic>
+              <a:t>- 2D points in Kuzmin Distribution, n=1M, d=2, k=1, rounds=3</a:t>
+            </a:r>
+          </a:p>
+          <a:p>
+            <a:pPr>
+              <a:lnSpc>
+                <a:spcPct val="150000"/>
+              </a:lnSpc>
+            </a:pPr>
+            <a:r>
+              <a:rPr lang="en-KR" sz="2000" dirty="0">
+                <a:latin typeface="NanumSquare Light" panose="020B0600000101010101" pitchFamily="34" charset="-127"/>
+                <a:ea typeface="NanumSquare Light" panose="020B0600000101010101" pitchFamily="34" charset="-127"/>
+              </a:rPr>
+              <a:t>- 3D points in Cube, n=1M, d=3, k=1, rounds =3</a:t>
+            </a:r>
+          </a:p>
+          <a:p>
+            <a:pPr>
+              <a:lnSpc>
+                <a:spcPct val="150000"/>
+              </a:lnSpc>
+            </a:pPr>
+            <a:r>
+              <a:rPr lang="en-KR" sz="2000" dirty="0">
+                <a:latin typeface="NanumSquare Light" panose="020B0600000101010101" pitchFamily="34" charset="-127"/>
+                <a:ea typeface="NanumSquare Light" panose="020B0600000101010101" pitchFamily="34" charset="-127"/>
+              </a:rPr>
+              <a:t>- 3D points on Sphere, n=1M, d=3, k=1, rounds = 3</a:t>
+            </a:r>
+          </a:p>
+          <a:p>
+            <a:pPr>
+              <a:lnSpc>
+                <a:spcPct val="150000"/>
+              </a:lnSpc>
+            </a:pPr>
+            <a:r>
+              <a:rPr lang="en-KR" sz="2000" dirty="0">
+                <a:latin typeface="NanumSquare Light" panose="020B0600000101010101" pitchFamily="34" charset="-127"/>
+                <a:ea typeface="NanumSquare Light" panose="020B0600000101010101" pitchFamily="34" charset="-127"/>
+              </a:rPr>
+              <a:t>- 3D points in Cube, n=1M, d=3, k=10, rounds = 3</a:t>
+            </a:r>
+          </a:p>
+          <a:p>
+            <a:pPr>
+              <a:lnSpc>
+                <a:spcPct val="150000"/>
+              </a:lnSpc>
+            </a:pPr>
+            <a:r>
+              <a:rPr lang="en-KR" sz="2000" dirty="0">
+                <a:latin typeface="NanumSquare Light" panose="020B0600000101010101" pitchFamily="34" charset="-127"/>
+                <a:ea typeface="NanumSquare Light" panose="020B0600000101010101" pitchFamily="34" charset="-127"/>
+              </a:rPr>
+              <a:t>- 3D points in Plummer Distribution, n=1M, d=3, k=10, rounds=3</a:t>
+            </a:r>
+          </a:p>
+        </p:txBody>
+      </p:sp>
     </p:spTree>
     <p:extLst>
       <p:ext uri="{BB962C8B-B14F-4D97-AF65-F5344CB8AC3E}">
-        <p14:creationId xmlns:p14="http://schemas.microsoft.com/office/powerpoint/2010/main" val="3104049918"/>
+        <p14:creationId xmlns:p14="http://schemas.microsoft.com/office/powerpoint/2010/main" val="3433719505"/>
       </p:ext>
     </p:extLst>
   </p:cSld>
@@ -3981,7 +3993,7 @@
 </p:sld>
 </file>
 
-<file path=ppt/slides/slide3.xml><?xml version="1.0" encoding="utf-8"?>
+<file path=ppt/slides/slide11.xml><?xml version="1.0" encoding="utf-8"?>
 <p:sld xmlns:a="http://schemas.openxmlformats.org/drawingml/2006/main" xmlns:r="http://schemas.openxmlformats.org/officeDocument/2006/relationships" xmlns:p="http://schemas.openxmlformats.org/presentationml/2006/main">
   <p:cSld>
     <p:spTree>
@@ -4116,7 +4128,7 @@
         <p:spPr>
           <a:xfrm>
             <a:off x="211016" y="150725"/>
-            <a:ext cx="6291209" cy="461665"/>
+            <a:ext cx="1473288" cy="461665"/>
           </a:xfrm>
           <a:prstGeom prst="rect">
             <a:avLst/>
@@ -4134,17 +4146,17 @@
                 <a:latin typeface="NanumSquare Bold" panose="020B0600000101010101" pitchFamily="34" charset="-127"/>
                 <a:ea typeface="NanumSquare Bold" panose="020B0600000101010101" pitchFamily="34" charset="-127"/>
               </a:rPr>
-              <a:t>PBBS(Problem Based Benchmark Suite) v2</a:t>
-            </a:r>
-          </a:p>
-        </p:txBody>
-      </p:sp>
-      <p:sp>
-        <p:nvSpPr>
-          <p:cNvPr id="8" name="TextBox 7">
-            <a:extLst>
-              <a:ext uri="{FF2B5EF4-FFF2-40B4-BE49-F238E27FC236}">
-                <a16:creationId xmlns:a16="http://schemas.microsoft.com/office/drawing/2014/main" id="{C8D872E1-A00D-A9C5-AC2F-EF34823E0433}"/>
+              <a:t>Progress</a:t>
+            </a:r>
+          </a:p>
+        </p:txBody>
+      </p:sp>
+      <p:sp>
+        <p:nvSpPr>
+          <p:cNvPr id="2" name="TextBox 1">
+            <a:extLst>
+              <a:ext uri="{FF2B5EF4-FFF2-40B4-BE49-F238E27FC236}">
+                <a16:creationId xmlns:a16="http://schemas.microsoft.com/office/drawing/2014/main" id="{C092ACAF-026A-EE2D-A8D5-F424B0813579}"/>
               </a:ext>
             </a:extLst>
           </p:cNvPr>
@@ -4153,8 +4165,8 @@
         </p:nvSpPr>
         <p:spPr>
           <a:xfrm>
-            <a:off x="298103" y="1789192"/>
-            <a:ext cx="11595793" cy="3279616"/>
+            <a:off x="432080" y="2712522"/>
+            <a:ext cx="9023419" cy="1432956"/>
           </a:xfrm>
           <a:prstGeom prst="rect">
             <a:avLst/>
@@ -4177,8 +4189,19 @@
                 <a:latin typeface="NanumSquare Light" panose="020B0600000101010101" pitchFamily="34" charset="-127"/>
                 <a:ea typeface="NanumSquare Light" panose="020B0600000101010101" pitchFamily="34" charset="-127"/>
               </a:rPr>
-              <a:t>- Outlined in ACM SIGPLAN Symposium on Principles&amp;Parctice of Parallel Programming (PPoPP), 2022</a:t>
-            </a:r>
+              <a:t>- </a:t>
+            </a:r>
+            <a:r>
+              <a:rPr lang="en-US" sz="2000" dirty="0">
+                <a:latin typeface="NanumSquare Light" panose="020B0600000101010101" pitchFamily="34" charset="-127"/>
+                <a:ea typeface="NanumSquare Light" panose="020B0600000101010101" pitchFamily="34" charset="-127"/>
+              </a:rPr>
+              <a:t>Implement data loader and run script  from PBBS benchmark data</a:t>
+            </a:r>
+            <a:endParaRPr lang="en-KR" sz="2000" dirty="0">
+              <a:latin typeface="NanumSquare Light" panose="020B0600000101010101" pitchFamily="34" charset="-127"/>
+              <a:ea typeface="NanumSquare Light" panose="020B0600000101010101" pitchFamily="34" charset="-127"/>
+            </a:endParaRPr>
           </a:p>
           <a:p>
             <a:pPr>
@@ -4191,7 +4214,21 @@
                 <a:latin typeface="NanumSquare Light" panose="020B0600000101010101" pitchFamily="34" charset="-127"/>
                 <a:ea typeface="NanumSquare Light" panose="020B0600000101010101" pitchFamily="34" charset="-127"/>
               </a:rPr>
-              <a:t>- Collection of over 20 benchmarks defined in terms of their IO characteristics</a:t>
+              <a:t>- Implement baseline(na</a:t>
+            </a:r>
+            <a:r>
+              <a:rPr lang="en-US" sz="2000" dirty="0" err="1">
+                <a:latin typeface="NanumSquare Light" panose="020B0600000101010101" pitchFamily="34" charset="-127"/>
+                <a:ea typeface="NanumSquare Light" panose="020B0600000101010101" pitchFamily="34" charset="-127"/>
+              </a:rPr>
+              <a:t>ï</a:t>
+            </a:r>
+            <a:r>
+              <a:rPr lang="en-KR" sz="2000" dirty="0">
+                <a:latin typeface="NanumSquare Light" panose="020B0600000101010101" pitchFamily="34" charset="-127"/>
+                <a:ea typeface="NanumSquare Light" panose="020B0600000101010101" pitchFamily="34" charset="-127"/>
+              </a:rPr>
+              <a:t>ve version)</a:t>
             </a:r>
           </a:p>
           <a:p>
@@ -4201,98 +4238,14 @@
               </a:lnSpc>
             </a:pPr>
             <a:r>
-              <a:rPr lang="en-KR" sz="1600" dirty="0">
-                <a:latin typeface="NanumSquare Light" panose="020B0600000101010101" pitchFamily="34" charset="-127"/>
-                <a:ea typeface="NanumSquare Light" panose="020B0600000101010101" pitchFamily="34" charset="-127"/>
-              </a:rPr>
-              <a:t>    - Basic Building Block(SORT, HIST, ISORT, DDUP)</a:t>
-            </a:r>
-          </a:p>
-          <a:p>
-            <a:pPr>
-              <a:lnSpc>
-                <a:spcPct val="150000"/>
-              </a:lnSpc>
-            </a:pPr>
-            <a:r>
-              <a:rPr lang="en-KR" sz="1600" dirty="0">
-                <a:latin typeface="NanumSquare Light" panose="020B0600000101010101" pitchFamily="34" charset="-127"/>
-                <a:ea typeface="NanumSquare Light" panose="020B0600000101010101" pitchFamily="34" charset="-127"/>
-              </a:rPr>
-              <a:t>    - Graph Algorithms(BFS, MIS, MM, MSF, SF)</a:t>
-            </a:r>
-          </a:p>
-          <a:p>
-            <a:pPr>
-              <a:lnSpc>
-                <a:spcPct val="150000"/>
-              </a:lnSpc>
-            </a:pPr>
-            <a:r>
-              <a:rPr lang="en-KR" sz="1600" dirty="0">
-                <a:latin typeface="NanumSquare Light" panose="020B0600000101010101" pitchFamily="34" charset="-127"/>
-                <a:ea typeface="NanumSquare Light" panose="020B0600000101010101" pitchFamily="34" charset="-127"/>
-              </a:rPr>
-              <a:t>    - Text Processing(BWD, IIDX, LRS, SA, WC)</a:t>
-            </a:r>
-          </a:p>
-          <a:p>
-            <a:pPr>
-              <a:lnSpc>
-                <a:spcPct val="150000"/>
-              </a:lnSpc>
-            </a:pPr>
-            <a:r>
-              <a:rPr lang="en-KR" sz="1600" dirty="0">
-                <a:latin typeface="NanumSquare Light" panose="020B0600000101010101" pitchFamily="34" charset="-127"/>
-                <a:ea typeface="NanumSquare Light" panose="020B0600000101010101" pitchFamily="34" charset="-127"/>
-              </a:rPr>
-              <a:t>    - Computational Geometry/Graphics(CH, DR, DT, </a:t>
-            </a:r>
-            <a:r>
-              <a:rPr lang="en-KR" sz="1600" dirty="0">
+              <a:rPr lang="en-KR" sz="2000" dirty="0">
                 <a:solidFill>
                   <a:srgbClr val="C8004E"/>
                 </a:solidFill>
                 <a:latin typeface="NanumSquare Light" panose="020B0600000101010101" pitchFamily="34" charset="-127"/>
                 <a:ea typeface="NanumSquare Light" panose="020B0600000101010101" pitchFamily="34" charset="-127"/>
               </a:rPr>
-              <a:t>KNN</a:t>
-            </a:r>
-            <a:r>
-              <a:rPr lang="en-KR" sz="1600" dirty="0">
-                <a:latin typeface="NanumSquare Light" panose="020B0600000101010101" pitchFamily="34" charset="-127"/>
-                <a:ea typeface="NanumSquare Light" panose="020B0600000101010101" pitchFamily="34" charset="-127"/>
-              </a:rPr>
-              <a:t>, RAY, RQ)</a:t>
-            </a:r>
-          </a:p>
-          <a:p>
-            <a:pPr>
-              <a:lnSpc>
-                <a:spcPct val="150000"/>
-              </a:lnSpc>
-            </a:pPr>
-            <a:r>
-              <a:rPr lang="en-KR" sz="1600" dirty="0">
-                <a:latin typeface="NanumSquare Light" panose="020B0600000101010101" pitchFamily="34" charset="-127"/>
-                <a:ea typeface="NanumSquare Light" panose="020B0600000101010101" pitchFamily="34" charset="-127"/>
-              </a:rPr>
-              <a:t>    - Others(CLAS, NBODY)</a:t>
-            </a:r>
-          </a:p>
-          <a:p>
-            <a:pPr>
-              <a:lnSpc>
-                <a:spcPct val="150000"/>
-              </a:lnSpc>
-            </a:pPr>
-            <a:r>
-              <a:rPr lang="en-KR" sz="2000" dirty="0">
-                <a:latin typeface="NanumSquare Light" panose="020B0600000101010101" pitchFamily="34" charset="-127"/>
-                <a:ea typeface="NanumSquare Light" panose="020B0600000101010101" pitchFamily="34" charset="-127"/>
-              </a:rPr>
-              <a:t>- https://github.com/cmuparlay/pbbsbench</a:t>
+              <a:t>- Working on implementing CUDA version</a:t>
             </a:r>
           </a:p>
         </p:txBody>
@@ -4300,7 +4253,7 @@
     </p:spTree>
     <p:extLst>
       <p:ext uri="{BB962C8B-B14F-4D97-AF65-F5344CB8AC3E}">
-        <p14:creationId xmlns:p14="http://schemas.microsoft.com/office/powerpoint/2010/main" val="2855682673"/>
+        <p14:creationId xmlns:p14="http://schemas.microsoft.com/office/powerpoint/2010/main" val="2902650160"/>
       </p:ext>
     </p:extLst>
   </p:cSld>
@@ -4310,7 +4263,7 @@
 </p:sld>
 </file>
 
-<file path=ppt/slides/slide4.xml><?xml version="1.0" encoding="utf-8"?>
+<file path=ppt/slides/slide12.xml><?xml version="1.0" encoding="utf-8"?>
 <p:sld xmlns:a="http://schemas.openxmlformats.org/drawingml/2006/main" xmlns:r="http://schemas.openxmlformats.org/officeDocument/2006/relationships" xmlns:p="http://schemas.openxmlformats.org/presentationml/2006/main">
   <p:cSld>
     <p:spTree>
@@ -4444,8 +4397,8 @@
         </p:nvSpPr>
         <p:spPr>
           <a:xfrm>
-            <a:off x="211016" y="150725"/>
-            <a:ext cx="2865272" cy="461665"/>
+            <a:off x="5262278" y="2921168"/>
+            <a:ext cx="1667443" cy="1015663"/>
           </a:xfrm>
           <a:prstGeom prst="rect">
             <a:avLst/>
@@ -4458,140 +4411,16 @@
           </a:bodyPr>
           <a:lstStyle/>
           <a:p>
-            <a:r>
-              <a:rPr lang="en-KR" sz="2400" b="1" dirty="0">
-                <a:latin typeface="NanumSquare Bold" panose="020B0600000101010101" pitchFamily="34" charset="-127"/>
-                <a:ea typeface="NanumSquare Bold" panose="020B0600000101010101" pitchFamily="34" charset="-127"/>
-              </a:rPr>
-              <a:t>Strategy: Distance</a:t>
-            </a:r>
-          </a:p>
-        </p:txBody>
-      </p:sp>
-      <p:pic>
-        <p:nvPicPr>
-          <p:cNvPr id="2" name="Picture 1">
-            <a:extLst>
-              <a:ext uri="{FF2B5EF4-FFF2-40B4-BE49-F238E27FC236}">
-                <a16:creationId xmlns:a16="http://schemas.microsoft.com/office/drawing/2014/main" id="{D2D1D5F6-1C1A-93B3-3208-3227795F8B40}"/>
-              </a:ext>
-            </a:extLst>
-          </p:cNvPr>
-          <p:cNvPicPr>
-            <a:picLocks noChangeAspect="1"/>
-          </p:cNvPicPr>
-          <p:nvPr/>
-        </p:nvPicPr>
-        <p:blipFill>
-          <a:blip r:embed="rId3"/>
-          <a:stretch>
-            <a:fillRect/>
-          </a:stretch>
-        </p:blipFill>
-        <p:spPr>
-          <a:xfrm>
-            <a:off x="6397451" y="1585555"/>
-            <a:ext cx="5151156" cy="4132806"/>
-          </a:xfrm>
-          <a:prstGeom prst="rect">
-            <a:avLst/>
-          </a:prstGeom>
-        </p:spPr>
-      </p:pic>
-      <p:sp>
-        <p:nvSpPr>
-          <p:cNvPr id="9" name="TextBox 8">
-            <a:extLst>
-              <a:ext uri="{FF2B5EF4-FFF2-40B4-BE49-F238E27FC236}">
-                <a16:creationId xmlns:a16="http://schemas.microsoft.com/office/drawing/2014/main" id="{FB08BE1C-0C4B-D2AA-291E-E85C8F8BC75F}"/>
-              </a:ext>
-            </a:extLst>
-          </p:cNvPr>
-          <p:cNvSpPr txBox="1"/>
-          <p:nvPr/>
-        </p:nvSpPr>
-        <p:spPr>
-          <a:xfrm>
-            <a:off x="211017" y="2612039"/>
-            <a:ext cx="5884984" cy="1432956"/>
-          </a:xfrm>
-          <a:prstGeom prst="rect">
-            <a:avLst/>
-          </a:prstGeom>
-          <a:noFill/>
-        </p:spPr>
-        <p:txBody>
-          <a:bodyPr wrap="square" rtlCol="0">
-            <a:spAutoFit/>
-          </a:bodyPr>
-          <a:lstStyle/>
-          <a:p>
-            <a:pPr>
-              <a:lnSpc>
-                <a:spcPct val="150000"/>
-              </a:lnSpc>
-            </a:pPr>
-            <a:r>
-              <a:rPr lang="en-KR" sz="2000" dirty="0">
-                <a:latin typeface="NanumSquare Light" panose="020B0600000101010101" pitchFamily="34" charset="-127"/>
-                <a:ea typeface="NanumSquare Light" panose="020B0600000101010101" pitchFamily="34" charset="-127"/>
-              </a:rPr>
-              <a:t>- Na</a:t>
-            </a:r>
-            <a:r>
-              <a:rPr lang="en-US" sz="2000" dirty="0" err="1">
-                <a:latin typeface="NanumSquare Light" panose="020B0600000101010101" pitchFamily="34" charset="-127"/>
-                <a:ea typeface="NanumSquare Light" panose="020B0600000101010101" pitchFamily="34" charset="-127"/>
-              </a:rPr>
-              <a:t>ï</a:t>
-            </a:r>
-            <a:r>
-              <a:rPr lang="en-KR" sz="2000" dirty="0">
-                <a:latin typeface="NanumSquare Light" panose="020B0600000101010101" pitchFamily="34" charset="-127"/>
-                <a:ea typeface="NanumSquare Light" panose="020B0600000101010101" pitchFamily="34" charset="-127"/>
-              </a:rPr>
-              <a:t>ve: calculate distance of all pairs of points</a:t>
-            </a:r>
-          </a:p>
-          <a:p>
-            <a:pPr>
-              <a:lnSpc>
-                <a:spcPct val="150000"/>
-              </a:lnSpc>
-            </a:pPr>
-            <a:r>
-              <a:rPr lang="en-KR" sz="2000" dirty="0">
-                <a:latin typeface="NanumSquare Light" panose="020B0600000101010101" pitchFamily="34" charset="-127"/>
-                <a:ea typeface="NanumSquare Light" panose="020B0600000101010101" pitchFamily="34" charset="-127"/>
-              </a:rPr>
-              <a:t>- Strategy: calculate distance in the manner of </a:t>
-            </a:r>
-            <a:r>
-              <a:rPr lang="en-KR" sz="2000" dirty="0">
+            <a:pPr algn="ctr"/>
+            <a:r>
+              <a:rPr lang="en-KR" sz="6000" dirty="0">
                 <a:solidFill>
                   <a:srgbClr val="C8004E"/>
                 </a:solidFill>
-                <a:latin typeface="NanumSquare Light" panose="020B0600000101010101" pitchFamily="34" charset="-127"/>
-                <a:ea typeface="NanumSquare Light" panose="020B0600000101010101" pitchFamily="34" charset="-127"/>
-              </a:rPr>
-              <a:t>matrix multiplication </a:t>
-            </a:r>
-            <a:r>
-              <a:rPr lang="en-KR" sz="2000" dirty="0">
-                <a:latin typeface="NanumSquare Light" panose="020B0600000101010101" pitchFamily="34" charset="-127"/>
-                <a:ea typeface="NanumSquare Light" panose="020B0600000101010101" pitchFamily="34" charset="-127"/>
-              </a:rPr>
-              <a:t>with </a:t>
-            </a:r>
-            <a:r>
-              <a:rPr lang="en-KR" sz="2000" dirty="0">
-                <a:solidFill>
-                  <a:srgbClr val="C8004E"/>
-                </a:solidFill>
-                <a:latin typeface="NanumSquare Light" panose="020B0600000101010101" pitchFamily="34" charset="-127"/>
-                <a:ea typeface="NanumSquare Light" panose="020B0600000101010101" pitchFamily="34" charset="-127"/>
-              </a:rPr>
-              <a:t>tiling</a:t>
+                <a:latin typeface="NanumSquareRound Light" panose="020B0600000101010101" pitchFamily="34" charset="-127"/>
+                <a:ea typeface="NanumSquareRound Light" panose="020B0600000101010101" pitchFamily="34" charset="-127"/>
+              </a:rPr>
+              <a:t>QnA</a:t>
             </a:r>
           </a:p>
         </p:txBody>
@@ -4599,7 +4428,7 @@
     </p:spTree>
     <p:extLst>
       <p:ext uri="{BB962C8B-B14F-4D97-AF65-F5344CB8AC3E}">
-        <p14:creationId xmlns:p14="http://schemas.microsoft.com/office/powerpoint/2010/main" val="3321409184"/>
+        <p14:creationId xmlns:p14="http://schemas.microsoft.com/office/powerpoint/2010/main" val="3389654348"/>
       </p:ext>
     </p:extLst>
   </p:cSld>
@@ -4609,754 +4438,7 @@
 </p:sld>
 </file>
 
-<file path=ppt/slides/slide5.xml><?xml version="1.0" encoding="utf-8"?>
-<p:sld xmlns:a="http://schemas.openxmlformats.org/drawingml/2006/main" xmlns:r="http://schemas.openxmlformats.org/officeDocument/2006/relationships" xmlns:p="http://schemas.openxmlformats.org/presentationml/2006/main">
-  <p:cSld>
-    <p:spTree>
-      <p:nvGrpSpPr>
-        <p:cNvPr id="1" name=""/>
-        <p:cNvGrpSpPr/>
-        <p:nvPr/>
-      </p:nvGrpSpPr>
-      <p:grpSpPr>
-        <a:xfrm>
-          <a:off x="0" y="0"/>
-          <a:ext cx="0" cy="0"/>
-          <a:chOff x="0" y="0"/>
-          <a:chExt cx="0" cy="0"/>
-        </a:xfrm>
-      </p:grpSpPr>
-      <p:pic>
-        <p:nvPicPr>
-          <p:cNvPr id="30" name="Picture 29">
-            <a:extLst>
-              <a:ext uri="{FF2B5EF4-FFF2-40B4-BE49-F238E27FC236}">
-                <a16:creationId xmlns:a16="http://schemas.microsoft.com/office/drawing/2014/main" id="{8A9B69AD-D88D-FF8F-0882-97D35904C585}"/>
-              </a:ext>
-            </a:extLst>
-          </p:cNvPr>
-          <p:cNvPicPr>
-            <a:picLocks noChangeAspect="1"/>
-          </p:cNvPicPr>
-          <p:nvPr/>
-        </p:nvPicPr>
-        <p:blipFill rotWithShape="1">
-          <a:blip r:embed="rId2"/>
-          <a:srcRect l="4682"/>
-          <a:stretch/>
-        </p:blipFill>
-        <p:spPr>
-          <a:xfrm>
-            <a:off x="3355299" y="4973160"/>
-            <a:ext cx="5481402" cy="1560474"/>
-          </a:xfrm>
-          <a:prstGeom prst="rect">
-            <a:avLst/>
-          </a:prstGeom>
-        </p:spPr>
-      </p:pic>
-      <p:grpSp>
-        <p:nvGrpSpPr>
-          <p:cNvPr id="4" name="Group 3">
-            <a:extLst>
-              <a:ext uri="{FF2B5EF4-FFF2-40B4-BE49-F238E27FC236}">
-                <a16:creationId xmlns:a16="http://schemas.microsoft.com/office/drawing/2014/main" id="{07D51F58-1B32-D4E6-3E65-9E3542DA2B0B}"/>
-              </a:ext>
-            </a:extLst>
-          </p:cNvPr>
-          <p:cNvGrpSpPr/>
-          <p:nvPr/>
-        </p:nvGrpSpPr>
-        <p:grpSpPr>
-          <a:xfrm>
-            <a:off x="0" y="6488668"/>
-            <a:ext cx="12192000" cy="369332"/>
-            <a:chOff x="0" y="6488668"/>
-            <a:chExt cx="12192000" cy="369332"/>
-          </a:xfrm>
-        </p:grpSpPr>
-        <p:sp>
-          <p:nvSpPr>
-            <p:cNvPr id="5" name="Rectangle 4">
-              <a:extLst>
-                <a:ext uri="{FF2B5EF4-FFF2-40B4-BE49-F238E27FC236}">
-                  <a16:creationId xmlns:a16="http://schemas.microsoft.com/office/drawing/2014/main" id="{13B0D5CE-9B7A-774E-7A23-EB94AC535B35}"/>
-                </a:ext>
-              </a:extLst>
-            </p:cNvPr>
-            <p:cNvSpPr/>
-            <p:nvPr/>
-          </p:nvSpPr>
-          <p:spPr>
-            <a:xfrm>
-              <a:off x="1" y="6488668"/>
-              <a:ext cx="12191999" cy="369332"/>
-            </a:xfrm>
-            <a:prstGeom prst="rect">
-              <a:avLst/>
-            </a:prstGeom>
-            <a:solidFill>
-              <a:srgbClr val="C8004F"/>
-            </a:solidFill>
-            <a:ln>
-              <a:noFill/>
-            </a:ln>
-          </p:spPr>
-          <p:style>
-            <a:lnRef idx="2">
-              <a:schemeClr val="accent1">
-                <a:shade val="15000"/>
-              </a:schemeClr>
-            </a:lnRef>
-            <a:fillRef idx="1">
-              <a:schemeClr val="accent1"/>
-            </a:fillRef>
-            <a:effectRef idx="0">
-              <a:schemeClr val="accent1"/>
-            </a:effectRef>
-            <a:fontRef idx="minor">
-              <a:schemeClr val="lt1"/>
-            </a:fontRef>
-          </p:style>
-          <p:txBody>
-            <a:bodyPr rtlCol="0" anchor="ctr"/>
-            <a:lstStyle/>
-            <a:p>
-              <a:pPr algn="ctr"/>
-              <a:endParaRPr lang="en-KR"/>
-            </a:p>
-          </p:txBody>
-        </p:sp>
-        <p:pic>
-          <p:nvPicPr>
-            <p:cNvPr id="6" name="Picture 5">
-              <a:extLst>
-                <a:ext uri="{FF2B5EF4-FFF2-40B4-BE49-F238E27FC236}">
-                  <a16:creationId xmlns:a16="http://schemas.microsoft.com/office/drawing/2014/main" id="{29ED58B4-DAAB-C03E-3106-FB521D8C0886}"/>
-                </a:ext>
-              </a:extLst>
-            </p:cNvPr>
-            <p:cNvPicPr>
-              <a:picLocks noChangeAspect="1"/>
-            </p:cNvPicPr>
-            <p:nvPr/>
-          </p:nvPicPr>
-          <p:blipFill>
-            <a:blip r:embed="rId3"/>
-            <a:stretch>
-              <a:fillRect/>
-            </a:stretch>
-          </p:blipFill>
-          <p:spPr>
-            <a:xfrm>
-              <a:off x="0" y="6533634"/>
-              <a:ext cx="2044700" cy="279400"/>
-            </a:xfrm>
-            <a:prstGeom prst="rect">
-              <a:avLst/>
-            </a:prstGeom>
-          </p:spPr>
-        </p:pic>
-      </p:grpSp>
-      <p:sp>
-        <p:nvSpPr>
-          <p:cNvPr id="7" name="TextBox 6">
-            <a:extLst>
-              <a:ext uri="{FF2B5EF4-FFF2-40B4-BE49-F238E27FC236}">
-                <a16:creationId xmlns:a16="http://schemas.microsoft.com/office/drawing/2014/main" id="{46D5362D-AC38-83AB-80AF-96F50407520D}"/>
-              </a:ext>
-            </a:extLst>
-          </p:cNvPr>
-          <p:cNvSpPr txBox="1"/>
-          <p:nvPr/>
-        </p:nvSpPr>
-        <p:spPr>
-          <a:xfrm>
-            <a:off x="211016" y="150725"/>
-            <a:ext cx="2865272" cy="461665"/>
-          </a:xfrm>
-          <a:prstGeom prst="rect">
-            <a:avLst/>
-          </a:prstGeom>
-          <a:noFill/>
-        </p:spPr>
-        <p:txBody>
-          <a:bodyPr wrap="none" rtlCol="0">
-            <a:spAutoFit/>
-          </a:bodyPr>
-          <a:lstStyle/>
-          <a:p>
-            <a:r>
-              <a:rPr lang="en-KR" sz="2400" b="1" dirty="0">
-                <a:latin typeface="NanumSquare Bold" panose="020B0600000101010101" pitchFamily="34" charset="-127"/>
-                <a:ea typeface="NanumSquare Bold" panose="020B0600000101010101" pitchFamily="34" charset="-127"/>
-              </a:rPr>
-              <a:t>Strategy: Distance</a:t>
-            </a:r>
-          </a:p>
-        </p:txBody>
-      </p:sp>
-      <p:sp>
-        <p:nvSpPr>
-          <p:cNvPr id="14" name="Rectangle 13">
-            <a:extLst>
-              <a:ext uri="{FF2B5EF4-FFF2-40B4-BE49-F238E27FC236}">
-                <a16:creationId xmlns:a16="http://schemas.microsoft.com/office/drawing/2014/main" id="{B73476CD-ADC9-F1ED-BD34-2D0B8BAD9DC1}"/>
-              </a:ext>
-            </a:extLst>
-          </p:cNvPr>
-          <p:cNvSpPr/>
-          <p:nvPr/>
-        </p:nvSpPr>
-        <p:spPr>
-          <a:xfrm>
-            <a:off x="1489040" y="1462452"/>
-            <a:ext cx="1790099" cy="2843683"/>
-          </a:xfrm>
-          <a:prstGeom prst="rect">
-            <a:avLst/>
-          </a:prstGeom>
-          <a:solidFill>
-            <a:srgbClr val="C85D87"/>
-          </a:solidFill>
-          <a:ln>
-            <a:solidFill>
-              <a:srgbClr val="C8004E"/>
-            </a:solidFill>
-          </a:ln>
-        </p:spPr>
-        <p:style>
-          <a:lnRef idx="2">
-            <a:schemeClr val="accent1">
-              <a:shade val="15000"/>
-            </a:schemeClr>
-          </a:lnRef>
-          <a:fillRef idx="1">
-            <a:schemeClr val="accent1"/>
-          </a:fillRef>
-          <a:effectRef idx="0">
-            <a:schemeClr val="accent1"/>
-          </a:effectRef>
-          <a:fontRef idx="minor">
-            <a:schemeClr val="lt1"/>
-          </a:fontRef>
-        </p:style>
-        <p:txBody>
-          <a:bodyPr rtlCol="0" anchor="ctr"/>
-          <a:lstStyle/>
-          <a:p>
-            <a:pPr algn="ctr"/>
-            <a:endParaRPr lang="en-KR"/>
-          </a:p>
-        </p:txBody>
-      </p:sp>
-      <p:sp>
-        <p:nvSpPr>
-          <p:cNvPr id="15" name="Rectangle 14">
-            <a:extLst>
-              <a:ext uri="{FF2B5EF4-FFF2-40B4-BE49-F238E27FC236}">
-                <a16:creationId xmlns:a16="http://schemas.microsoft.com/office/drawing/2014/main" id="{853B5114-6388-A7A2-5AA7-534E99F2F94C}"/>
-              </a:ext>
-            </a:extLst>
-          </p:cNvPr>
-          <p:cNvSpPr/>
-          <p:nvPr/>
-        </p:nvSpPr>
-        <p:spPr>
-          <a:xfrm rot="5400000">
-            <a:off x="4675942" y="1462451"/>
-            <a:ext cx="1790099" cy="2843683"/>
-          </a:xfrm>
-          <a:prstGeom prst="rect">
-            <a:avLst/>
-          </a:prstGeom>
-          <a:solidFill>
-            <a:srgbClr val="C85D87"/>
-          </a:solidFill>
-          <a:ln>
-            <a:solidFill>
-              <a:srgbClr val="C8004E"/>
-            </a:solidFill>
-          </a:ln>
-        </p:spPr>
-        <p:style>
-          <a:lnRef idx="2">
-            <a:schemeClr val="accent1">
-              <a:shade val="15000"/>
-            </a:schemeClr>
-          </a:lnRef>
-          <a:fillRef idx="1">
-            <a:schemeClr val="accent1"/>
-          </a:fillRef>
-          <a:effectRef idx="0">
-            <a:schemeClr val="accent1"/>
-          </a:effectRef>
-          <a:fontRef idx="minor">
-            <a:schemeClr val="lt1"/>
-          </a:fontRef>
-        </p:style>
-        <p:txBody>
-          <a:bodyPr rtlCol="0" anchor="ctr"/>
-          <a:lstStyle/>
-          <a:p>
-            <a:pPr algn="ctr"/>
-            <a:endParaRPr lang="en-KR"/>
-          </a:p>
-        </p:txBody>
-      </p:sp>
-      <p:sp>
-        <p:nvSpPr>
-          <p:cNvPr id="16" name="TextBox 15">
-            <a:extLst>
-              <a:ext uri="{FF2B5EF4-FFF2-40B4-BE49-F238E27FC236}">
-                <a16:creationId xmlns:a16="http://schemas.microsoft.com/office/drawing/2014/main" id="{EC3B3C7A-20A4-CD70-9EF2-A002D9476166}"/>
-              </a:ext>
-            </a:extLst>
-          </p:cNvPr>
-          <p:cNvSpPr txBox="1"/>
-          <p:nvPr/>
-        </p:nvSpPr>
-        <p:spPr>
-          <a:xfrm>
-            <a:off x="3498176" y="2699626"/>
-            <a:ext cx="306494" cy="369332"/>
-          </a:xfrm>
-          <a:prstGeom prst="rect">
-            <a:avLst/>
-          </a:prstGeom>
-          <a:noFill/>
-        </p:spPr>
-        <p:txBody>
-          <a:bodyPr wrap="none" rtlCol="0">
-            <a:spAutoFit/>
-          </a:bodyPr>
-          <a:lstStyle/>
-          <a:p>
-            <a:r>
-              <a:rPr lang="en-KR" dirty="0"/>
-              <a:t>o</a:t>
-            </a:r>
-          </a:p>
-        </p:txBody>
-      </p:sp>
-      <p:pic>
-        <p:nvPicPr>
-          <p:cNvPr id="17" name="Picture 16">
-            <a:extLst>
-              <a:ext uri="{FF2B5EF4-FFF2-40B4-BE49-F238E27FC236}">
-                <a16:creationId xmlns:a16="http://schemas.microsoft.com/office/drawing/2014/main" id="{38D82953-8187-8A65-9BB0-BB698C21E846}"/>
-              </a:ext>
-            </a:extLst>
-          </p:cNvPr>
-          <p:cNvPicPr>
-            <a:picLocks noChangeAspect="1"/>
-          </p:cNvPicPr>
-          <p:nvPr/>
-        </p:nvPicPr>
-        <p:blipFill rotWithShape="1">
-          <a:blip r:embed="rId4"/>
-          <a:srcRect l="44566" t="16245" r="49555" b="20534"/>
-          <a:stretch/>
-        </p:blipFill>
-        <p:spPr>
-          <a:xfrm>
-            <a:off x="2263508" y="4394398"/>
-            <a:ext cx="241161" cy="369333"/>
-          </a:xfrm>
-          <a:prstGeom prst="rect">
-            <a:avLst/>
-          </a:prstGeom>
-        </p:spPr>
-      </p:pic>
-      <p:pic>
-        <p:nvPicPr>
-          <p:cNvPr id="18" name="Picture 17">
-            <a:extLst>
-              <a:ext uri="{FF2B5EF4-FFF2-40B4-BE49-F238E27FC236}">
-                <a16:creationId xmlns:a16="http://schemas.microsoft.com/office/drawing/2014/main" id="{38540589-5031-E0D4-D3CE-3934E8392B38}"/>
-              </a:ext>
-            </a:extLst>
-          </p:cNvPr>
-          <p:cNvPicPr>
-            <a:picLocks noChangeAspect="1"/>
-          </p:cNvPicPr>
-          <p:nvPr/>
-        </p:nvPicPr>
-        <p:blipFill rotWithShape="1">
-          <a:blip r:embed="rId4"/>
-          <a:srcRect l="52648" t="16245" r="38533" b="20534"/>
-          <a:stretch/>
-        </p:blipFill>
-        <p:spPr>
-          <a:xfrm>
-            <a:off x="5390120" y="3869961"/>
-            <a:ext cx="361741" cy="369332"/>
-          </a:xfrm>
-          <a:prstGeom prst="rect">
-            <a:avLst/>
-          </a:prstGeom>
-        </p:spPr>
-      </p:pic>
-      <p:sp>
-        <p:nvSpPr>
-          <p:cNvPr id="19" name="Rectangle 18">
-            <a:extLst>
-              <a:ext uri="{FF2B5EF4-FFF2-40B4-BE49-F238E27FC236}">
-                <a16:creationId xmlns:a16="http://schemas.microsoft.com/office/drawing/2014/main" id="{52F3D8A6-47B0-0625-BB92-E9F3854BC3DF}"/>
-              </a:ext>
-            </a:extLst>
-          </p:cNvPr>
-          <p:cNvSpPr/>
-          <p:nvPr/>
-        </p:nvSpPr>
-        <p:spPr>
-          <a:xfrm>
-            <a:off x="8030652" y="1462452"/>
-            <a:ext cx="2843683" cy="2843683"/>
-          </a:xfrm>
-          <a:prstGeom prst="rect">
-            <a:avLst/>
-          </a:prstGeom>
-          <a:solidFill>
-            <a:srgbClr val="C85D87"/>
-          </a:solidFill>
-          <a:ln>
-            <a:solidFill>
-              <a:srgbClr val="C8004E"/>
-            </a:solidFill>
-          </a:ln>
-        </p:spPr>
-        <p:style>
-          <a:lnRef idx="2">
-            <a:schemeClr val="accent1">
-              <a:shade val="15000"/>
-            </a:schemeClr>
-          </a:lnRef>
-          <a:fillRef idx="1">
-            <a:schemeClr val="accent1"/>
-          </a:fillRef>
-          <a:effectRef idx="0">
-            <a:schemeClr val="accent1"/>
-          </a:effectRef>
-          <a:fontRef idx="minor">
-            <a:schemeClr val="lt1"/>
-          </a:fontRef>
-        </p:style>
-        <p:txBody>
-          <a:bodyPr rtlCol="0" anchor="ctr"/>
-          <a:lstStyle/>
-          <a:p>
-            <a:pPr algn="ctr"/>
-            <a:endParaRPr lang="en-KR"/>
-          </a:p>
-        </p:txBody>
-      </p:sp>
-      <p:sp>
-        <p:nvSpPr>
-          <p:cNvPr id="20" name="TextBox 19">
-            <a:extLst>
-              <a:ext uri="{FF2B5EF4-FFF2-40B4-BE49-F238E27FC236}">
-                <a16:creationId xmlns:a16="http://schemas.microsoft.com/office/drawing/2014/main" id="{2C192351-231D-25B9-9531-BFDF7FB0B3E4}"/>
-              </a:ext>
-            </a:extLst>
-          </p:cNvPr>
-          <p:cNvSpPr txBox="1"/>
-          <p:nvPr/>
-        </p:nvSpPr>
-        <p:spPr>
-          <a:xfrm>
-            <a:off x="7297122" y="2699626"/>
-            <a:ext cx="300082" cy="369332"/>
-          </a:xfrm>
-          <a:prstGeom prst="rect">
-            <a:avLst/>
-          </a:prstGeom>
-          <a:noFill/>
-        </p:spPr>
-        <p:txBody>
-          <a:bodyPr wrap="none" rtlCol="0">
-            <a:spAutoFit/>
-          </a:bodyPr>
-          <a:lstStyle/>
-          <a:p>
-            <a:r>
-              <a:rPr lang="en-KR" dirty="0"/>
-              <a:t>=</a:t>
-            </a:r>
-          </a:p>
-        </p:txBody>
-      </p:sp>
-      <p:pic>
-        <p:nvPicPr>
-          <p:cNvPr id="21" name="Picture 20">
-            <a:extLst>
-              <a:ext uri="{FF2B5EF4-FFF2-40B4-BE49-F238E27FC236}">
-                <a16:creationId xmlns:a16="http://schemas.microsoft.com/office/drawing/2014/main" id="{97E3F338-71DA-C26D-73A2-1A7CBF0DC8DC}"/>
-              </a:ext>
-            </a:extLst>
-          </p:cNvPr>
-          <p:cNvPicPr>
-            <a:picLocks noChangeAspect="1"/>
-          </p:cNvPicPr>
-          <p:nvPr/>
-        </p:nvPicPr>
-        <p:blipFill rotWithShape="1">
-          <a:blip r:embed="rId4"/>
-          <a:srcRect l="70862" t="22457" r="23014" b="17968"/>
-          <a:stretch/>
-        </p:blipFill>
-        <p:spPr>
-          <a:xfrm>
-            <a:off x="9326889" y="4412081"/>
-            <a:ext cx="251208" cy="348035"/>
-          </a:xfrm>
-          <a:prstGeom prst="rect">
-            <a:avLst/>
-          </a:prstGeom>
-        </p:spPr>
-      </p:pic>
-      <p:sp>
-        <p:nvSpPr>
-          <p:cNvPr id="22" name="TextBox 21">
-            <a:extLst>
-              <a:ext uri="{FF2B5EF4-FFF2-40B4-BE49-F238E27FC236}">
-                <a16:creationId xmlns:a16="http://schemas.microsoft.com/office/drawing/2014/main" id="{D1309752-6989-0033-C141-CD867EB957A1}"/>
-              </a:ext>
-            </a:extLst>
-          </p:cNvPr>
-          <p:cNvSpPr txBox="1"/>
-          <p:nvPr/>
-        </p:nvSpPr>
-        <p:spPr>
-          <a:xfrm>
-            <a:off x="1219768" y="2699626"/>
-            <a:ext cx="327334" cy="369332"/>
-          </a:xfrm>
-          <a:prstGeom prst="rect">
-            <a:avLst/>
-          </a:prstGeom>
-          <a:noFill/>
-        </p:spPr>
-        <p:txBody>
-          <a:bodyPr wrap="none" rtlCol="0">
-            <a:spAutoFit/>
-          </a:bodyPr>
-          <a:lstStyle/>
-          <a:p>
-            <a:r>
-              <a:rPr lang="en-KR" b="1" dirty="0">
-                <a:latin typeface="NanumSquare ExtraBold" panose="020B0600000101010101" pitchFamily="34" charset="-127"/>
-                <a:ea typeface="NanumSquare ExtraBold" panose="020B0600000101010101" pitchFamily="34" charset="-127"/>
-              </a:rPr>
-              <a:t>n</a:t>
-            </a:r>
-          </a:p>
-        </p:txBody>
-      </p:sp>
-      <p:sp>
-        <p:nvSpPr>
-          <p:cNvPr id="23" name="TextBox 22">
-            <a:extLst>
-              <a:ext uri="{FF2B5EF4-FFF2-40B4-BE49-F238E27FC236}">
-                <a16:creationId xmlns:a16="http://schemas.microsoft.com/office/drawing/2014/main" id="{C5107E5B-4FF7-405E-91C7-22DA848ED588}"/>
-              </a:ext>
-            </a:extLst>
-          </p:cNvPr>
-          <p:cNvSpPr txBox="1"/>
-          <p:nvPr/>
-        </p:nvSpPr>
-        <p:spPr>
-          <a:xfrm>
-            <a:off x="5407323" y="1668112"/>
-            <a:ext cx="327334" cy="369332"/>
-          </a:xfrm>
-          <a:prstGeom prst="rect">
-            <a:avLst/>
-          </a:prstGeom>
-          <a:noFill/>
-        </p:spPr>
-        <p:txBody>
-          <a:bodyPr wrap="none" rtlCol="0">
-            <a:spAutoFit/>
-          </a:bodyPr>
-          <a:lstStyle/>
-          <a:p>
-            <a:r>
-              <a:rPr lang="en-KR" b="1" dirty="0">
-                <a:latin typeface="NanumSquare ExtraBold" panose="020B0600000101010101" pitchFamily="34" charset="-127"/>
-                <a:ea typeface="NanumSquare ExtraBold" panose="020B0600000101010101" pitchFamily="34" charset="-127"/>
-              </a:rPr>
-              <a:t>n</a:t>
-            </a:r>
-          </a:p>
-        </p:txBody>
-      </p:sp>
-      <p:sp>
-        <p:nvSpPr>
-          <p:cNvPr id="24" name="TextBox 23">
-            <a:extLst>
-              <a:ext uri="{FF2B5EF4-FFF2-40B4-BE49-F238E27FC236}">
-                <a16:creationId xmlns:a16="http://schemas.microsoft.com/office/drawing/2014/main" id="{5EAB915E-DB3D-A581-971C-075DD344AC7C}"/>
-              </a:ext>
-            </a:extLst>
-          </p:cNvPr>
-          <p:cNvSpPr txBox="1"/>
-          <p:nvPr/>
-        </p:nvSpPr>
-        <p:spPr>
-          <a:xfrm>
-            <a:off x="2224429" y="1141321"/>
-            <a:ext cx="319318" cy="369332"/>
-          </a:xfrm>
-          <a:prstGeom prst="rect">
-            <a:avLst/>
-          </a:prstGeom>
-          <a:noFill/>
-        </p:spPr>
-        <p:txBody>
-          <a:bodyPr wrap="none" rtlCol="0">
-            <a:spAutoFit/>
-          </a:bodyPr>
-          <a:lstStyle/>
-          <a:p>
-            <a:r>
-              <a:rPr lang="en-KR" b="1" dirty="0">
-                <a:latin typeface="NanumSquare ExtraBold" panose="020B0600000101010101" pitchFamily="34" charset="-127"/>
-                <a:ea typeface="NanumSquare ExtraBold" panose="020B0600000101010101" pitchFamily="34" charset="-127"/>
-              </a:rPr>
-              <a:t>k</a:t>
-            </a:r>
-          </a:p>
-        </p:txBody>
-      </p:sp>
-      <p:sp>
-        <p:nvSpPr>
-          <p:cNvPr id="26" name="TextBox 25">
-            <a:extLst>
-              <a:ext uri="{FF2B5EF4-FFF2-40B4-BE49-F238E27FC236}">
-                <a16:creationId xmlns:a16="http://schemas.microsoft.com/office/drawing/2014/main" id="{F9FB5A4C-6D5C-F0AF-D271-ACE3A8623963}"/>
-              </a:ext>
-            </a:extLst>
-          </p:cNvPr>
-          <p:cNvSpPr txBox="1"/>
-          <p:nvPr/>
-        </p:nvSpPr>
-        <p:spPr>
-          <a:xfrm>
-            <a:off x="3901927" y="2699626"/>
-            <a:ext cx="319318" cy="369332"/>
-          </a:xfrm>
-          <a:prstGeom prst="rect">
-            <a:avLst/>
-          </a:prstGeom>
-          <a:noFill/>
-        </p:spPr>
-        <p:txBody>
-          <a:bodyPr wrap="none" rtlCol="0">
-            <a:spAutoFit/>
-          </a:bodyPr>
-          <a:lstStyle/>
-          <a:p>
-            <a:r>
-              <a:rPr lang="en-KR" b="1" dirty="0">
-                <a:latin typeface="NanumSquare ExtraBold" panose="020B0600000101010101" pitchFamily="34" charset="-127"/>
-                <a:ea typeface="NanumSquare ExtraBold" panose="020B0600000101010101" pitchFamily="34" charset="-127"/>
-              </a:rPr>
-              <a:t>k</a:t>
-            </a:r>
-          </a:p>
-        </p:txBody>
-      </p:sp>
-      <p:sp>
-        <p:nvSpPr>
-          <p:cNvPr id="27" name="TextBox 26">
-            <a:extLst>
-              <a:ext uri="{FF2B5EF4-FFF2-40B4-BE49-F238E27FC236}">
-                <a16:creationId xmlns:a16="http://schemas.microsoft.com/office/drawing/2014/main" id="{7BB02A1F-76B8-53E3-7AD1-3A03C0AC346D}"/>
-              </a:ext>
-            </a:extLst>
-          </p:cNvPr>
-          <p:cNvSpPr txBox="1"/>
-          <p:nvPr/>
-        </p:nvSpPr>
-        <p:spPr>
-          <a:xfrm>
-            <a:off x="9288826" y="1171840"/>
-            <a:ext cx="327334" cy="369332"/>
-          </a:xfrm>
-          <a:prstGeom prst="rect">
-            <a:avLst/>
-          </a:prstGeom>
-          <a:noFill/>
-        </p:spPr>
-        <p:txBody>
-          <a:bodyPr wrap="none" rtlCol="0">
-            <a:spAutoFit/>
-          </a:bodyPr>
-          <a:lstStyle/>
-          <a:p>
-            <a:r>
-              <a:rPr lang="en-KR" b="1" dirty="0">
-                <a:latin typeface="NanumSquare ExtraBold" panose="020B0600000101010101" pitchFamily="34" charset="-127"/>
-                <a:ea typeface="NanumSquare ExtraBold" panose="020B0600000101010101" pitchFamily="34" charset="-127"/>
-              </a:rPr>
-              <a:t>n</a:t>
-            </a:r>
-          </a:p>
-        </p:txBody>
-      </p:sp>
-      <p:sp>
-        <p:nvSpPr>
-          <p:cNvPr id="29" name="TextBox 28">
-            <a:extLst>
-              <a:ext uri="{FF2B5EF4-FFF2-40B4-BE49-F238E27FC236}">
-                <a16:creationId xmlns:a16="http://schemas.microsoft.com/office/drawing/2014/main" id="{FFFCFEBF-E679-A935-9CF9-DE9172389694}"/>
-              </a:ext>
-            </a:extLst>
-          </p:cNvPr>
-          <p:cNvSpPr txBox="1"/>
-          <p:nvPr/>
-        </p:nvSpPr>
-        <p:spPr>
-          <a:xfrm>
-            <a:off x="7767970" y="2697484"/>
-            <a:ext cx="327334" cy="369332"/>
-          </a:xfrm>
-          <a:prstGeom prst="rect">
-            <a:avLst/>
-          </a:prstGeom>
-          <a:noFill/>
-        </p:spPr>
-        <p:txBody>
-          <a:bodyPr wrap="none" rtlCol="0">
-            <a:spAutoFit/>
-          </a:bodyPr>
-          <a:lstStyle/>
-          <a:p>
-            <a:r>
-              <a:rPr lang="en-KR" b="1" dirty="0">
-                <a:latin typeface="NanumSquare ExtraBold" panose="020B0600000101010101" pitchFamily="34" charset="-127"/>
-                <a:ea typeface="NanumSquare ExtraBold" panose="020B0600000101010101" pitchFamily="34" charset="-127"/>
-              </a:rPr>
-              <a:t>n</a:t>
-            </a:r>
-          </a:p>
-        </p:txBody>
-      </p:sp>
-    </p:spTree>
-    <p:extLst>
-      <p:ext uri="{BB962C8B-B14F-4D97-AF65-F5344CB8AC3E}">
-        <p14:creationId xmlns:p14="http://schemas.microsoft.com/office/powerpoint/2010/main" val="3463676120"/>
-      </p:ext>
-    </p:extLst>
-  </p:cSld>
-  <p:clrMapOvr>
-    <a:masterClrMapping/>
-  </p:clrMapOvr>
-</p:sld>
-</file>
-
-<file path=ppt/slides/slide6.xml><?xml version="1.0" encoding="utf-8"?>
+<file path=ppt/slides/slide2.xml><?xml version="1.0" encoding="utf-8"?>
 <p:sld xmlns:a="http://schemas.openxmlformats.org/drawingml/2006/main" xmlns:r="http://schemas.openxmlformats.org/officeDocument/2006/relationships" xmlns:p="http://schemas.openxmlformats.org/presentationml/2006/main">
   <p:cSld>
     <p:spTree>
@@ -5491,7 +4573,7 @@
         <p:spPr>
           <a:xfrm>
             <a:off x="211016" y="150725"/>
-            <a:ext cx="2236766" cy="461665"/>
+            <a:ext cx="6291209" cy="461665"/>
           </a:xfrm>
           <a:prstGeom prst="rect">
             <a:avLst/>
@@ -5509,17 +4591,17 @@
                 <a:latin typeface="NanumSquare Bold" panose="020B0600000101010101" pitchFamily="34" charset="-127"/>
                 <a:ea typeface="NanumSquare Bold" panose="020B0600000101010101" pitchFamily="34" charset="-127"/>
               </a:rPr>
-              <a:t>Strategy: Sort</a:t>
-            </a:r>
-          </a:p>
-        </p:txBody>
-      </p:sp>
-      <p:sp>
-        <p:nvSpPr>
-          <p:cNvPr id="9" name="TextBox 8">
-            <a:extLst>
-              <a:ext uri="{FF2B5EF4-FFF2-40B4-BE49-F238E27FC236}">
-                <a16:creationId xmlns:a16="http://schemas.microsoft.com/office/drawing/2014/main" id="{FB08BE1C-0C4B-D2AA-291E-E85C8F8BC75F}"/>
+              <a:t>PBBS(Problem Based Benchmark Suite) v2</a:t>
+            </a:r>
+          </a:p>
+        </p:txBody>
+      </p:sp>
+      <p:sp>
+        <p:nvSpPr>
+          <p:cNvPr id="8" name="TextBox 7">
+            <a:extLst>
+              <a:ext uri="{FF2B5EF4-FFF2-40B4-BE49-F238E27FC236}">
+                <a16:creationId xmlns:a16="http://schemas.microsoft.com/office/drawing/2014/main" id="{C8D872E1-A00D-A9C5-AC2F-EF34823E0433}"/>
               </a:ext>
             </a:extLst>
           </p:cNvPr>
@@ -5528,8 +4610,8 @@
         </p:nvSpPr>
         <p:spPr>
           <a:xfrm>
-            <a:off x="351694" y="2792630"/>
-            <a:ext cx="7164473" cy="971292"/>
+            <a:off x="298103" y="1789192"/>
+            <a:ext cx="11595793" cy="3279616"/>
           </a:xfrm>
           <a:prstGeom prst="rect">
             <a:avLst/>
@@ -5552,21 +4634,7 @@
                 <a:latin typeface="NanumSquare Light" panose="020B0600000101010101" pitchFamily="34" charset="-127"/>
                 <a:ea typeface="NanumSquare Light" panose="020B0600000101010101" pitchFamily="34" charset="-127"/>
               </a:rPr>
-              <a:t>- Na</a:t>
-            </a:r>
-            <a:r>
-              <a:rPr lang="en-US" sz="2000" dirty="0" err="1">
-                <a:latin typeface="NanumSquare Light" panose="020B0600000101010101" pitchFamily="34" charset="-127"/>
-                <a:ea typeface="NanumSquare Light" panose="020B0600000101010101" pitchFamily="34" charset="-127"/>
-              </a:rPr>
-              <a:t>ï</a:t>
-            </a:r>
-            <a:r>
-              <a:rPr lang="en-KR" sz="2000" dirty="0">
-                <a:latin typeface="NanumSquare Light" panose="020B0600000101010101" pitchFamily="34" charset="-127"/>
-                <a:ea typeface="NanumSquare Light" panose="020B0600000101010101" pitchFamily="34" charset="-127"/>
-              </a:rPr>
-              <a:t>ve: serial O(nlogn) sort (e.g. quick sort, merge sort … )</a:t>
+              <a:t>- Outlined in ACM SIGPLAN Symposium on Principles&amp;Parctice of Parallel Programming (PPoPP), 2022</a:t>
             </a:r>
           </a:p>
           <a:p>
@@ -5580,39 +4648,116 @@
                 <a:latin typeface="NanumSquare Light" panose="020B0600000101010101" pitchFamily="34" charset="-127"/>
                 <a:ea typeface="NanumSquare Light" panose="020B0600000101010101" pitchFamily="34" charset="-127"/>
               </a:rPr>
-              <a:t>- Strategy: use </a:t>
-            </a:r>
-            <a:r>
-              <a:rPr lang="en-KR" sz="2000" dirty="0">
+              <a:t>- Collection of over 20 benchmarks defined in terms of their IO characteristics</a:t>
+            </a:r>
+          </a:p>
+          <a:p>
+            <a:pPr>
+              <a:lnSpc>
+                <a:spcPct val="150000"/>
+              </a:lnSpc>
+            </a:pPr>
+            <a:r>
+              <a:rPr lang="en-KR" sz="1600" dirty="0">
+                <a:latin typeface="NanumSquare Light" panose="020B0600000101010101" pitchFamily="34" charset="-127"/>
+                <a:ea typeface="NanumSquare Light" panose="020B0600000101010101" pitchFamily="34" charset="-127"/>
+              </a:rPr>
+              <a:t>    - Basic Building Block(SORT, HIST, ISORT, DDUP)</a:t>
+            </a:r>
+          </a:p>
+          <a:p>
+            <a:pPr>
+              <a:lnSpc>
+                <a:spcPct val="150000"/>
+              </a:lnSpc>
+            </a:pPr>
+            <a:r>
+              <a:rPr lang="en-KR" sz="1600" dirty="0">
+                <a:latin typeface="NanumSquare Light" panose="020B0600000101010101" pitchFamily="34" charset="-127"/>
+                <a:ea typeface="NanumSquare Light" panose="020B0600000101010101" pitchFamily="34" charset="-127"/>
+              </a:rPr>
+              <a:t>    - Graph Algorithms(BFS, MIS, MM, MSF, SF)</a:t>
+            </a:r>
+          </a:p>
+          <a:p>
+            <a:pPr>
+              <a:lnSpc>
+                <a:spcPct val="150000"/>
+              </a:lnSpc>
+            </a:pPr>
+            <a:r>
+              <a:rPr lang="en-KR" sz="1600" dirty="0">
+                <a:latin typeface="NanumSquare Light" panose="020B0600000101010101" pitchFamily="34" charset="-127"/>
+                <a:ea typeface="NanumSquare Light" panose="020B0600000101010101" pitchFamily="34" charset="-127"/>
+              </a:rPr>
+              <a:t>    - Text Processing(BWD, IIDX, LRS, SA, WC)</a:t>
+            </a:r>
+          </a:p>
+          <a:p>
+            <a:pPr>
+              <a:lnSpc>
+                <a:spcPct val="150000"/>
+              </a:lnSpc>
+            </a:pPr>
+            <a:r>
+              <a:rPr lang="en-KR" sz="1600" dirty="0">
+                <a:latin typeface="NanumSquare Light" panose="020B0600000101010101" pitchFamily="34" charset="-127"/>
+                <a:ea typeface="NanumSquare Light" panose="020B0600000101010101" pitchFamily="34" charset="-127"/>
+              </a:rPr>
+              <a:t>    - Computational Geometry/Graphics(CH, DR, DT, </a:t>
+            </a:r>
+            <a:r>
+              <a:rPr lang="en-KR" sz="1600" dirty="0">
                 <a:solidFill>
                   <a:srgbClr val="C8004E"/>
                 </a:solidFill>
                 <a:latin typeface="NanumSquare Light" panose="020B0600000101010101" pitchFamily="34" charset="-127"/>
                 <a:ea typeface="NanumSquare Light" panose="020B0600000101010101" pitchFamily="34" charset="-127"/>
               </a:rPr>
-              <a:t>odd-even transposition sort </a:t>
-            </a:r>
+              <a:t>KNN</a:t>
+            </a:r>
+            <a:r>
+              <a:rPr lang="en-KR" sz="1600" dirty="0">
+                <a:latin typeface="NanumSquare Light" panose="020B0600000101010101" pitchFamily="34" charset="-127"/>
+                <a:ea typeface="NanumSquare Light" panose="020B0600000101010101" pitchFamily="34" charset="-127"/>
+              </a:rPr>
+              <a:t>, RAY, RQ)</a:t>
+            </a:r>
+          </a:p>
+          <a:p>
+            <a:pPr>
+              <a:lnSpc>
+                <a:spcPct val="150000"/>
+              </a:lnSpc>
+            </a:pPr>
+            <a:r>
+              <a:rPr lang="en-KR" sz="1600" dirty="0">
+                <a:latin typeface="NanumSquare Light" panose="020B0600000101010101" pitchFamily="34" charset="-127"/>
+                <a:ea typeface="NanumSquare Light" panose="020B0600000101010101" pitchFamily="34" charset="-127"/>
+              </a:rPr>
+              <a:t>    - Others(CLAS, NBODY)</a:t>
+            </a:r>
+          </a:p>
+          <a:p>
+            <a:pPr>
+              <a:lnSpc>
+                <a:spcPct val="150000"/>
+              </a:lnSpc>
+            </a:pPr>
             <a:r>
               <a:rPr lang="en-KR" sz="2000" dirty="0">
                 <a:latin typeface="NanumSquare Light" panose="020B0600000101010101" pitchFamily="34" charset="-127"/>
                 <a:ea typeface="NanumSquare Light" panose="020B0600000101010101" pitchFamily="34" charset="-127"/>
               </a:rPr>
-              <a:t>in parallel</a:t>
-            </a:r>
-            <a:endParaRPr lang="en-KR" sz="2000" dirty="0">
-              <a:solidFill>
-                <a:srgbClr val="C8004E"/>
-              </a:solidFill>
-              <a:latin typeface="NanumSquare Light" panose="020B0600000101010101" pitchFamily="34" charset="-127"/>
-              <a:ea typeface="NanumSquare Light" panose="020B0600000101010101" pitchFamily="34" charset="-127"/>
-            </a:endParaRPr>
+              <a:t>- https://github.com/cmuparlay/pbbsbench</a:t>
+            </a:r>
           </a:p>
         </p:txBody>
       </p:sp>
     </p:spTree>
     <p:extLst>
       <p:ext uri="{BB962C8B-B14F-4D97-AF65-F5344CB8AC3E}">
-        <p14:creationId xmlns:p14="http://schemas.microsoft.com/office/powerpoint/2010/main" val="1413416688"/>
+        <p14:creationId xmlns:p14="http://schemas.microsoft.com/office/powerpoint/2010/main" val="2855682673"/>
       </p:ext>
     </p:extLst>
   </p:cSld>
@@ -5622,7 +4767,7 @@
 </p:sld>
 </file>
 
-<file path=ppt/slides/slide7.xml><?xml version="1.0" encoding="utf-8"?>
+<file path=ppt/slides/slide3.xml><?xml version="1.0" encoding="utf-8"?>
 <p:sld xmlns:a="http://schemas.openxmlformats.org/drawingml/2006/main" xmlns:r="http://schemas.openxmlformats.org/officeDocument/2006/relationships" xmlns:p="http://schemas.openxmlformats.org/presentationml/2006/main">
   <p:cSld>
     <p:spTree>
@@ -5757,7 +4902,7 @@
         <p:spPr>
           <a:xfrm>
             <a:off x="211016" y="150725"/>
-            <a:ext cx="2236766" cy="461665"/>
+            <a:ext cx="3705566" cy="461665"/>
           </a:xfrm>
           <a:prstGeom prst="rect">
             <a:avLst/>
@@ -5775,17 +4920,88 @@
                 <a:latin typeface="NanumSquare Bold" panose="020B0600000101010101" pitchFamily="34" charset="-127"/>
                 <a:ea typeface="NanumSquare Bold" panose="020B0600000101010101" pitchFamily="34" charset="-127"/>
               </a:rPr>
-              <a:t>Strategy: Sort</a:t>
+              <a:t>Problem Definition: KNN</a:t>
+            </a:r>
+          </a:p>
+        </p:txBody>
+      </p:sp>
+      <p:sp>
+        <p:nvSpPr>
+          <p:cNvPr id="8" name="TextBox 7">
+            <a:extLst>
+              <a:ext uri="{FF2B5EF4-FFF2-40B4-BE49-F238E27FC236}">
+                <a16:creationId xmlns:a16="http://schemas.microsoft.com/office/drawing/2014/main" id="{C8D872E1-A00D-A9C5-AC2F-EF34823E0433}"/>
+              </a:ext>
+            </a:extLst>
+          </p:cNvPr>
+          <p:cNvSpPr txBox="1"/>
+          <p:nvPr/>
+        </p:nvSpPr>
+        <p:spPr>
+          <a:xfrm>
+            <a:off x="311504" y="2250857"/>
+            <a:ext cx="6209880" cy="2356286"/>
+          </a:xfrm>
+          <a:prstGeom prst="rect">
+            <a:avLst/>
+          </a:prstGeom>
+          <a:noFill/>
+        </p:spPr>
+        <p:txBody>
+          <a:bodyPr wrap="square" rtlCol="0">
+            <a:spAutoFit/>
+          </a:bodyPr>
+          <a:lstStyle/>
+          <a:p>
+            <a:pPr>
+              <a:lnSpc>
+                <a:spcPct val="150000"/>
+              </a:lnSpc>
+            </a:pPr>
+            <a:r>
+              <a:rPr lang="en-KR" sz="2000" dirty="0">
+                <a:latin typeface="NanumSquare Light" panose="020B0600000101010101" pitchFamily="34" charset="-127"/>
+                <a:ea typeface="NanumSquare Light" panose="020B0600000101010101" pitchFamily="34" charset="-127"/>
+              </a:rPr>
+              <a:t>- KNN(K-Nearest Neighbors)</a:t>
+            </a:r>
+          </a:p>
+          <a:p>
+            <a:pPr>
+              <a:lnSpc>
+                <a:spcPct val="150000"/>
+              </a:lnSpc>
+            </a:pPr>
+            <a:r>
+              <a:rPr lang="en-KR" sz="2000" dirty="0">
+                <a:latin typeface="NanumSquare Light" panose="020B0600000101010101" pitchFamily="34" charset="-127"/>
+                <a:ea typeface="NanumSquare Light" panose="020B0600000101010101" pitchFamily="34" charset="-127"/>
+              </a:rPr>
+              <a:t>- Find K nearest neighbors of all individual n points in d-dimensional space</a:t>
+            </a:r>
+          </a:p>
+          <a:p>
+            <a:pPr>
+              <a:lnSpc>
+                <a:spcPct val="150000"/>
+              </a:lnSpc>
+            </a:pPr>
+            <a:r>
+              <a:rPr lang="en-KR" sz="2000" dirty="0">
+                <a:latin typeface="NanumSquare Light" panose="020B0600000101010101" pitchFamily="34" charset="-127"/>
+                <a:ea typeface="NanumSquare Light" panose="020B0600000101010101" pitchFamily="34" charset="-127"/>
+              </a:rPr>
+              <a:t>- Often used in classifier or regression tasks in machine learning</a:t>
             </a:r>
           </a:p>
         </p:txBody>
       </p:sp>
       <p:pic>
         <p:nvPicPr>
-          <p:cNvPr id="9218" name="Picture 2" descr="Odd-Even Sort / Brick Sort - GeeksforGeeks">
-            <a:extLst>
-              <a:ext uri="{FF2B5EF4-FFF2-40B4-BE49-F238E27FC236}">
-                <a16:creationId xmlns:a16="http://schemas.microsoft.com/office/drawing/2014/main" id="{CA37A642-3CF8-CF14-8C01-34CD1822B708}"/>
+          <p:cNvPr id="2050" name="Picture 2" descr="머신러닝 - 6. K-최근접 이웃(KNN)">
+            <a:extLst>
+              <a:ext uri="{FF2B5EF4-FFF2-40B4-BE49-F238E27FC236}">
+                <a16:creationId xmlns:a16="http://schemas.microsoft.com/office/drawing/2014/main" id="{C84F1744-0BDA-1D29-A413-EB7261FDAD7F}"/>
               </a:ext>
             </a:extLst>
           </p:cNvPr>
@@ -5809,8 +5025,8 @@
         </p:blipFill>
         <p:spPr bwMode="auto">
           <a:xfrm>
-            <a:off x="7179965" y="1120705"/>
-            <a:ext cx="4182627" cy="4154366"/>
+            <a:off x="6695367" y="1446247"/>
+            <a:ext cx="5104745" cy="3816632"/>
           </a:xfrm>
           <a:prstGeom prst="rect">
             <a:avLst/>
@@ -5827,152 +5043,10 @@
           </a:extLst>
         </p:spPr>
       </p:pic>
-      <p:sp>
-        <p:nvSpPr>
-          <p:cNvPr id="3" name="TextBox 2">
-            <a:extLst>
-              <a:ext uri="{FF2B5EF4-FFF2-40B4-BE49-F238E27FC236}">
-                <a16:creationId xmlns:a16="http://schemas.microsoft.com/office/drawing/2014/main" id="{658679BE-72DA-F3F1-2CC5-43C63980B47C}"/>
-              </a:ext>
-            </a:extLst>
-          </p:cNvPr>
-          <p:cNvSpPr txBox="1"/>
-          <p:nvPr/>
-        </p:nvSpPr>
-        <p:spPr>
-          <a:xfrm>
-            <a:off x="7683640" y="5347053"/>
-            <a:ext cx="3175276" cy="426142"/>
-          </a:xfrm>
-          <a:prstGeom prst="rect">
-            <a:avLst/>
-          </a:prstGeom>
-          <a:noFill/>
-        </p:spPr>
-        <p:txBody>
-          <a:bodyPr wrap="square" rtlCol="0">
-            <a:spAutoFit/>
-          </a:bodyPr>
-          <a:lstStyle/>
-          <a:p>
-            <a:pPr algn="ctr">
-              <a:lnSpc>
-                <a:spcPct val="150000"/>
-              </a:lnSpc>
-            </a:pPr>
-            <a:r>
-              <a:rPr lang="en-US" sz="1600" dirty="0">
-                <a:latin typeface="NanumSquare Light" panose="020B0600000101010101" pitchFamily="34" charset="-127"/>
-                <a:ea typeface="NanumSquare Light" panose="020B0600000101010101" pitchFamily="34" charset="-127"/>
-              </a:rPr>
-              <a:t>&lt; Odd-Even Transposition Sort &gt;</a:t>
-            </a:r>
-            <a:endParaRPr lang="en-KR" sz="1600" dirty="0">
-              <a:solidFill>
-                <a:srgbClr val="C8004E"/>
-              </a:solidFill>
-              <a:latin typeface="NanumSquare Light" panose="020B0600000101010101" pitchFamily="34" charset="-127"/>
-              <a:ea typeface="NanumSquare Light" panose="020B0600000101010101" pitchFamily="34" charset="-127"/>
-            </a:endParaRPr>
-          </a:p>
-        </p:txBody>
-      </p:sp>
-      <p:sp>
-        <p:nvSpPr>
-          <p:cNvPr id="8" name="TextBox 7">
-            <a:extLst>
-              <a:ext uri="{FF2B5EF4-FFF2-40B4-BE49-F238E27FC236}">
-                <a16:creationId xmlns:a16="http://schemas.microsoft.com/office/drawing/2014/main" id="{2B732C7D-CF14-55FA-DCC0-142FAC20FAEB}"/>
-              </a:ext>
-            </a:extLst>
-          </p:cNvPr>
-          <p:cNvSpPr txBox="1"/>
-          <p:nvPr/>
-        </p:nvSpPr>
-        <p:spPr>
-          <a:xfrm>
-            <a:off x="659843" y="2481689"/>
-            <a:ext cx="5436157" cy="1894621"/>
-          </a:xfrm>
-          <a:prstGeom prst="rect">
-            <a:avLst/>
-          </a:prstGeom>
-          <a:noFill/>
-        </p:spPr>
-        <p:txBody>
-          <a:bodyPr wrap="square" rtlCol="0">
-            <a:spAutoFit/>
-          </a:bodyPr>
-          <a:lstStyle/>
-          <a:p>
-            <a:pPr>
-              <a:lnSpc>
-                <a:spcPct val="150000"/>
-              </a:lnSpc>
-            </a:pPr>
-            <a:r>
-              <a:rPr lang="en-KR" sz="2000" dirty="0">
-                <a:latin typeface="NanumSquare Light" panose="020B0600000101010101" pitchFamily="34" charset="-127"/>
-                <a:ea typeface="NanumSquare Light" panose="020B0600000101010101" pitchFamily="34" charset="-127"/>
-              </a:rPr>
-              <a:t>- Variation of Bubble Sort</a:t>
-            </a:r>
-          </a:p>
-          <a:p>
-            <a:pPr>
-              <a:lnSpc>
-                <a:spcPct val="150000"/>
-              </a:lnSpc>
-            </a:pPr>
-            <a:r>
-              <a:rPr lang="en-KR" sz="2000" dirty="0">
-                <a:latin typeface="NanumSquare Light" panose="020B0600000101010101" pitchFamily="34" charset="-127"/>
-                <a:ea typeface="NanumSquare Light" panose="020B0600000101010101" pitchFamily="34" charset="-127"/>
-              </a:rPr>
-              <a:t>- n phases for data size n</a:t>
-            </a:r>
-          </a:p>
-          <a:p>
-            <a:pPr>
-              <a:lnSpc>
-                <a:spcPct val="150000"/>
-              </a:lnSpc>
-            </a:pPr>
-            <a:r>
-              <a:rPr lang="en-KR" sz="2000" dirty="0">
-                <a:latin typeface="NanumSquare Light" panose="020B0600000101010101" pitchFamily="34" charset="-127"/>
-                <a:ea typeface="NanumSquare Light" panose="020B0600000101010101" pitchFamily="34" charset="-127"/>
-              </a:rPr>
-              <a:t>- Serial: O(n^2)</a:t>
-            </a:r>
-          </a:p>
-          <a:p>
-            <a:pPr>
-              <a:lnSpc>
-                <a:spcPct val="150000"/>
-              </a:lnSpc>
-            </a:pPr>
-            <a:r>
-              <a:rPr lang="en-KR" sz="2000" dirty="0">
-                <a:latin typeface="NanumSquare Light" panose="020B0600000101010101" pitchFamily="34" charset="-127"/>
-                <a:ea typeface="NanumSquare Light" panose="020B0600000101010101" pitchFamily="34" charset="-127"/>
-              </a:rPr>
-              <a:t>- Parallel: O(n)</a:t>
-            </a:r>
-            <a:endParaRPr lang="en-KR" sz="2000" dirty="0">
-              <a:solidFill>
-                <a:srgbClr val="C8004E"/>
-              </a:solidFill>
-              <a:latin typeface="NanumSquare Light" panose="020B0600000101010101" pitchFamily="34" charset="-127"/>
-              <a:ea typeface="NanumSquare Light" panose="020B0600000101010101" pitchFamily="34" charset="-127"/>
-            </a:endParaRPr>
-          </a:p>
-        </p:txBody>
-      </p:sp>
     </p:spTree>
     <p:extLst>
       <p:ext uri="{BB962C8B-B14F-4D97-AF65-F5344CB8AC3E}">
-        <p14:creationId xmlns:p14="http://schemas.microsoft.com/office/powerpoint/2010/main" val="1231845947"/>
+        <p14:creationId xmlns:p14="http://schemas.microsoft.com/office/powerpoint/2010/main" val="3104049918"/>
       </p:ext>
     </p:extLst>
   </p:cSld>
@@ -5982,7 +5056,7 @@
 </p:sld>
 </file>
 
-<file path=ppt/slides/slide8.xml><?xml version="1.0" encoding="utf-8"?>
+<file path=ppt/slides/slide4.xml><?xml version="1.0" encoding="utf-8"?>
 <p:sld xmlns:a="http://schemas.openxmlformats.org/drawingml/2006/main" xmlns:r="http://schemas.openxmlformats.org/officeDocument/2006/relationships" xmlns:p="http://schemas.openxmlformats.org/presentationml/2006/main">
   <p:cSld>
     <p:spTree>
@@ -6117,7 +5191,7 @@
         <p:spPr>
           <a:xfrm>
             <a:off x="211016" y="150725"/>
-            <a:ext cx="1473288" cy="461665"/>
+            <a:ext cx="1513556" cy="461665"/>
           </a:xfrm>
           <a:prstGeom prst="rect">
             <a:avLst/>
@@ -6135,17 +5209,17 @@
                 <a:latin typeface="NanumSquare Bold" panose="020B0600000101010101" pitchFamily="34" charset="-127"/>
                 <a:ea typeface="NanumSquare Bold" panose="020B0600000101010101" pitchFamily="34" charset="-127"/>
               </a:rPr>
-              <a:t>Progress</a:t>
-            </a:r>
-          </a:p>
-        </p:txBody>
-      </p:sp>
-      <p:sp>
-        <p:nvSpPr>
-          <p:cNvPr id="2" name="TextBox 1">
-            <a:extLst>
-              <a:ext uri="{FF2B5EF4-FFF2-40B4-BE49-F238E27FC236}">
-                <a16:creationId xmlns:a16="http://schemas.microsoft.com/office/drawing/2014/main" id="{C092ACAF-026A-EE2D-A8D5-F424B0813579}"/>
+              <a:t>Overview</a:t>
+            </a:r>
+          </a:p>
+        </p:txBody>
+      </p:sp>
+      <p:sp>
+        <p:nvSpPr>
+          <p:cNvPr id="8" name="TextBox 7">
+            <a:extLst>
+              <a:ext uri="{FF2B5EF4-FFF2-40B4-BE49-F238E27FC236}">
+                <a16:creationId xmlns:a16="http://schemas.microsoft.com/office/drawing/2014/main" id="{C8D872E1-A00D-A9C5-AC2F-EF34823E0433}"/>
               </a:ext>
             </a:extLst>
           </p:cNvPr>
@@ -6154,8 +5228,8 @@
         </p:nvSpPr>
         <p:spPr>
           <a:xfrm>
-            <a:off x="432080" y="2712522"/>
-            <a:ext cx="9023419" cy="1432956"/>
+            <a:off x="327978" y="2855477"/>
+            <a:ext cx="8947827" cy="1147045"/>
           </a:xfrm>
           <a:prstGeom prst="rect">
             <a:avLst/>
@@ -6174,23 +5248,12 @@
               </a:lnSpc>
             </a:pPr>
             <a:r>
-              <a:rPr lang="en-KR" sz="2000" dirty="0">
+              <a:rPr lang="en-KR" sz="2400" dirty="0">
                 <a:latin typeface="NanumSquare Light" panose="020B0600000101010101" pitchFamily="34" charset="-127"/>
                 <a:ea typeface="NanumSquare Light" panose="020B0600000101010101" pitchFamily="34" charset="-127"/>
               </a:rPr>
-              <a:t>- </a:t>
-            </a:r>
-            <a:r>
-              <a:rPr lang="en-US" sz="2000" dirty="0">
-                <a:latin typeface="NanumSquare Light" panose="020B0600000101010101" pitchFamily="34" charset="-127"/>
-                <a:ea typeface="NanumSquare Light" panose="020B0600000101010101" pitchFamily="34" charset="-127"/>
-              </a:rPr>
-              <a:t>Implement data loader and run script  from PBBS benchmark data</a:t>
-            </a:r>
-            <a:endParaRPr lang="en-KR" sz="2000" dirty="0">
-              <a:latin typeface="NanumSquare Light" panose="020B0600000101010101" pitchFamily="34" charset="-127"/>
-              <a:ea typeface="NanumSquare Light" panose="020B0600000101010101" pitchFamily="34" charset="-127"/>
-            </a:endParaRPr>
+              <a:t>Step 1: Calculating Distance between points</a:t>
+            </a:r>
           </a:p>
           <a:p>
             <a:pPr>
@@ -6199,42 +5262,11 @@
               </a:lnSpc>
             </a:pPr>
             <a:r>
-              <a:rPr lang="en-KR" sz="2000" dirty="0">
+              <a:rPr lang="en-KR" sz="2400" dirty="0">
                 <a:latin typeface="NanumSquare Light" panose="020B0600000101010101" pitchFamily="34" charset="-127"/>
                 <a:ea typeface="NanumSquare Light" panose="020B0600000101010101" pitchFamily="34" charset="-127"/>
               </a:rPr>
-              <a:t>- Implement baseline(na</a:t>
-            </a:r>
-            <a:r>
-              <a:rPr lang="en-US" sz="2000" dirty="0" err="1">
-                <a:latin typeface="NanumSquare Light" panose="020B0600000101010101" pitchFamily="34" charset="-127"/>
-                <a:ea typeface="NanumSquare Light" panose="020B0600000101010101" pitchFamily="34" charset="-127"/>
-              </a:rPr>
-              <a:t>ï</a:t>
-            </a:r>
-            <a:r>
-              <a:rPr lang="en-KR" sz="2000" dirty="0">
-                <a:latin typeface="NanumSquare Light" panose="020B0600000101010101" pitchFamily="34" charset="-127"/>
-                <a:ea typeface="NanumSquare Light" panose="020B0600000101010101" pitchFamily="34" charset="-127"/>
-              </a:rPr>
-              <a:t>ve version)</a:t>
-            </a:r>
-          </a:p>
-          <a:p>
-            <a:pPr>
-              <a:lnSpc>
-                <a:spcPct val="150000"/>
-              </a:lnSpc>
-            </a:pPr>
-            <a:r>
-              <a:rPr lang="en-KR" sz="2000" dirty="0">
-                <a:solidFill>
-                  <a:srgbClr val="C8004E"/>
-                </a:solidFill>
-                <a:latin typeface="NanumSquare Light" panose="020B0600000101010101" pitchFamily="34" charset="-127"/>
-                <a:ea typeface="NanumSquare Light" panose="020B0600000101010101" pitchFamily="34" charset="-127"/>
-              </a:rPr>
-              <a:t>- Working on implementing CUDA version</a:t>
+              <a:t>Step 2: Sorting points by distance(+ get k nearest points)</a:t>
             </a:r>
           </a:p>
         </p:txBody>
@@ -6242,7 +5274,7 @@
     </p:spTree>
     <p:extLst>
       <p:ext uri="{BB962C8B-B14F-4D97-AF65-F5344CB8AC3E}">
-        <p14:creationId xmlns:p14="http://schemas.microsoft.com/office/powerpoint/2010/main" val="2932959259"/>
+        <p14:creationId xmlns:p14="http://schemas.microsoft.com/office/powerpoint/2010/main" val="2386291065"/>
       </p:ext>
     </p:extLst>
   </p:cSld>
@@ -6252,7 +5284,7 @@
 </p:sld>
 </file>
 
-<file path=ppt/slides/slide9.xml><?xml version="1.0" encoding="utf-8"?>
+<file path=ppt/slides/slide5.xml><?xml version="1.0" encoding="utf-8"?>
 <p:sld xmlns:a="http://schemas.openxmlformats.org/drawingml/2006/main" xmlns:r="http://schemas.openxmlformats.org/officeDocument/2006/relationships" xmlns:p="http://schemas.openxmlformats.org/presentationml/2006/main">
   <p:cSld>
     <p:spTree>
@@ -6386,8 +5418,8 @@
         </p:nvSpPr>
         <p:spPr>
           <a:xfrm>
-            <a:off x="5262278" y="2921168"/>
-            <a:ext cx="1667443" cy="1015663"/>
+            <a:off x="211016" y="150725"/>
+            <a:ext cx="2865272" cy="461665"/>
           </a:xfrm>
           <a:prstGeom prst="rect">
             <a:avLst/>
@@ -6400,16 +5432,147 @@
           </a:bodyPr>
           <a:lstStyle/>
           <a:p>
-            <a:pPr algn="ctr"/>
-            <a:r>
-              <a:rPr lang="en-KR" sz="6000" dirty="0">
+            <a:r>
+              <a:rPr lang="en-KR" sz="2400" b="1" dirty="0">
+                <a:latin typeface="NanumSquare Bold" panose="020B0600000101010101" pitchFamily="34" charset="-127"/>
+                <a:ea typeface="NanumSquare Bold" panose="020B0600000101010101" pitchFamily="34" charset="-127"/>
+              </a:rPr>
+              <a:t>Strategy: Distance</a:t>
+            </a:r>
+          </a:p>
+        </p:txBody>
+      </p:sp>
+      <p:pic>
+        <p:nvPicPr>
+          <p:cNvPr id="2" name="Picture 1">
+            <a:extLst>
+              <a:ext uri="{FF2B5EF4-FFF2-40B4-BE49-F238E27FC236}">
+                <a16:creationId xmlns:a16="http://schemas.microsoft.com/office/drawing/2014/main" id="{D2D1D5F6-1C1A-93B3-3208-3227795F8B40}"/>
+              </a:ext>
+            </a:extLst>
+          </p:cNvPr>
+          <p:cNvPicPr>
+            <a:picLocks noChangeAspect="1"/>
+          </p:cNvPicPr>
+          <p:nvPr/>
+        </p:nvPicPr>
+        <p:blipFill>
+          <a:blip r:embed="rId3"/>
+          <a:stretch>
+            <a:fillRect/>
+          </a:stretch>
+        </p:blipFill>
+        <p:spPr>
+          <a:xfrm>
+            <a:off x="6397451" y="1585555"/>
+            <a:ext cx="5151156" cy="4132806"/>
+          </a:xfrm>
+          <a:prstGeom prst="rect">
+            <a:avLst/>
+          </a:prstGeom>
+        </p:spPr>
+      </p:pic>
+      <p:sp>
+        <p:nvSpPr>
+          <p:cNvPr id="9" name="TextBox 8">
+            <a:extLst>
+              <a:ext uri="{FF2B5EF4-FFF2-40B4-BE49-F238E27FC236}">
+                <a16:creationId xmlns:a16="http://schemas.microsoft.com/office/drawing/2014/main" id="{FB08BE1C-0C4B-D2AA-291E-E85C8F8BC75F}"/>
+              </a:ext>
+            </a:extLst>
+          </p:cNvPr>
+          <p:cNvSpPr txBox="1"/>
+          <p:nvPr/>
+        </p:nvSpPr>
+        <p:spPr>
+          <a:xfrm>
+            <a:off x="211017" y="2612039"/>
+            <a:ext cx="5967361" cy="1894621"/>
+          </a:xfrm>
+          <a:prstGeom prst="rect">
+            <a:avLst/>
+          </a:prstGeom>
+          <a:noFill/>
+        </p:spPr>
+        <p:txBody>
+          <a:bodyPr wrap="square" rtlCol="0">
+            <a:spAutoFit/>
+          </a:bodyPr>
+          <a:lstStyle/>
+          <a:p>
+            <a:pPr>
+              <a:lnSpc>
+                <a:spcPct val="150000"/>
+              </a:lnSpc>
+            </a:pPr>
+            <a:r>
+              <a:rPr lang="en-KR" sz="2000" dirty="0">
+                <a:latin typeface="NanumSquare Light" panose="020B0600000101010101" pitchFamily="34" charset="-127"/>
+                <a:ea typeface="NanumSquare Light" panose="020B0600000101010101" pitchFamily="34" charset="-127"/>
+              </a:rPr>
+              <a:t>- Na</a:t>
+            </a:r>
+            <a:r>
+              <a:rPr lang="en-US" sz="2000" dirty="0" err="1">
+                <a:latin typeface="NanumSquare Light" panose="020B0600000101010101" pitchFamily="34" charset="-127"/>
+                <a:ea typeface="NanumSquare Light" panose="020B0600000101010101" pitchFamily="34" charset="-127"/>
+              </a:rPr>
+              <a:t>ï</a:t>
+            </a:r>
+            <a:r>
+              <a:rPr lang="en-KR" sz="2000" dirty="0">
+                <a:latin typeface="NanumSquare Light" panose="020B0600000101010101" pitchFamily="34" charset="-127"/>
+                <a:ea typeface="NanumSquare Light" panose="020B0600000101010101" pitchFamily="34" charset="-127"/>
+              </a:rPr>
+              <a:t>ve: calculate distance of all pairs of points in serial</a:t>
+            </a:r>
+          </a:p>
+          <a:p>
+            <a:pPr>
+              <a:lnSpc>
+                <a:spcPct val="150000"/>
+              </a:lnSpc>
+            </a:pPr>
+            <a:r>
+              <a:rPr lang="en-KR" sz="2000" dirty="0">
+                <a:latin typeface="NanumSquare Light" panose="020B0600000101010101" pitchFamily="34" charset="-127"/>
+                <a:ea typeface="NanumSquare Light" panose="020B0600000101010101" pitchFamily="34" charset="-127"/>
+              </a:rPr>
+              <a:t>- Strategy: calculate distance in the manner of </a:t>
+            </a:r>
+            <a:r>
+              <a:rPr lang="en-KR" sz="2000" dirty="0">
                 <a:solidFill>
                   <a:srgbClr val="C8004E"/>
                 </a:solidFill>
-                <a:latin typeface="NanumSquareRound Light" panose="020B0600000101010101" pitchFamily="34" charset="-127"/>
-                <a:ea typeface="NanumSquareRound Light" panose="020B0600000101010101" pitchFamily="34" charset="-127"/>
-              </a:rPr>
-              <a:t>QnA</a:t>
+                <a:latin typeface="NanumSquare Light" panose="020B0600000101010101" pitchFamily="34" charset="-127"/>
+                <a:ea typeface="NanumSquare Light" panose="020B0600000101010101" pitchFamily="34" charset="-127"/>
+              </a:rPr>
+              <a:t>matrix multiplication </a:t>
+            </a:r>
+            <a:r>
+              <a:rPr lang="en-KR" sz="2000" dirty="0">
+                <a:latin typeface="NanumSquare Light" panose="020B0600000101010101" pitchFamily="34" charset="-127"/>
+                <a:ea typeface="NanumSquare Light" panose="020B0600000101010101" pitchFamily="34" charset="-127"/>
+              </a:rPr>
+              <a:t>with </a:t>
+            </a:r>
+            <a:r>
+              <a:rPr lang="en-KR" sz="2000" dirty="0">
+                <a:solidFill>
+                  <a:srgbClr val="C8004E"/>
+                </a:solidFill>
+                <a:latin typeface="NanumSquare Light" panose="020B0600000101010101" pitchFamily="34" charset="-127"/>
+                <a:ea typeface="NanumSquare Light" panose="020B0600000101010101" pitchFamily="34" charset="-127"/>
+              </a:rPr>
+              <a:t>tiling </a:t>
+            </a:r>
+            <a:r>
+              <a:rPr lang="en-KR" sz="2000" dirty="0">
+                <a:latin typeface="NanumSquare Light" panose="020B0600000101010101" pitchFamily="34" charset="-127"/>
+                <a:ea typeface="NanumSquare Light" panose="020B0600000101010101" pitchFamily="34" charset="-127"/>
+              </a:rPr>
+              <a:t>in parallel</a:t>
             </a:r>
           </a:p>
         </p:txBody>
@@ -6417,7 +5580,1777 @@
     </p:spTree>
     <p:extLst>
       <p:ext uri="{BB962C8B-B14F-4D97-AF65-F5344CB8AC3E}">
-        <p14:creationId xmlns:p14="http://schemas.microsoft.com/office/powerpoint/2010/main" val="3389654348"/>
+        <p14:creationId xmlns:p14="http://schemas.microsoft.com/office/powerpoint/2010/main" val="3321409184"/>
+      </p:ext>
+    </p:extLst>
+  </p:cSld>
+  <p:clrMapOvr>
+    <a:masterClrMapping/>
+  </p:clrMapOvr>
+</p:sld>
+</file>
+
+<file path=ppt/slides/slide6.xml><?xml version="1.0" encoding="utf-8"?>
+<p:sld xmlns:a="http://schemas.openxmlformats.org/drawingml/2006/main" xmlns:r="http://schemas.openxmlformats.org/officeDocument/2006/relationships" xmlns:p="http://schemas.openxmlformats.org/presentationml/2006/main">
+  <p:cSld>
+    <p:spTree>
+      <p:nvGrpSpPr>
+        <p:cNvPr id="1" name=""/>
+        <p:cNvGrpSpPr/>
+        <p:nvPr/>
+      </p:nvGrpSpPr>
+      <p:grpSpPr>
+        <a:xfrm>
+          <a:off x="0" y="0"/>
+          <a:ext cx="0" cy="0"/>
+          <a:chOff x="0" y="0"/>
+          <a:chExt cx="0" cy="0"/>
+        </a:xfrm>
+      </p:grpSpPr>
+      <p:grpSp>
+        <p:nvGrpSpPr>
+          <p:cNvPr id="4" name="Group 3">
+            <a:extLst>
+              <a:ext uri="{FF2B5EF4-FFF2-40B4-BE49-F238E27FC236}">
+                <a16:creationId xmlns:a16="http://schemas.microsoft.com/office/drawing/2014/main" id="{07D51F58-1B32-D4E6-3E65-9E3542DA2B0B}"/>
+              </a:ext>
+            </a:extLst>
+          </p:cNvPr>
+          <p:cNvGrpSpPr/>
+          <p:nvPr/>
+        </p:nvGrpSpPr>
+        <p:grpSpPr>
+          <a:xfrm>
+            <a:off x="0" y="6488668"/>
+            <a:ext cx="12192000" cy="369332"/>
+            <a:chOff x="0" y="6488668"/>
+            <a:chExt cx="12192000" cy="369332"/>
+          </a:xfrm>
+        </p:grpSpPr>
+        <p:sp>
+          <p:nvSpPr>
+            <p:cNvPr id="5" name="Rectangle 4">
+              <a:extLst>
+                <a:ext uri="{FF2B5EF4-FFF2-40B4-BE49-F238E27FC236}">
+                  <a16:creationId xmlns:a16="http://schemas.microsoft.com/office/drawing/2014/main" id="{13B0D5CE-9B7A-774E-7A23-EB94AC535B35}"/>
+                </a:ext>
+              </a:extLst>
+            </p:cNvPr>
+            <p:cNvSpPr/>
+            <p:nvPr/>
+          </p:nvSpPr>
+          <p:spPr>
+            <a:xfrm>
+              <a:off x="1" y="6488668"/>
+              <a:ext cx="12191999" cy="369332"/>
+            </a:xfrm>
+            <a:prstGeom prst="rect">
+              <a:avLst/>
+            </a:prstGeom>
+            <a:solidFill>
+              <a:srgbClr val="C8004F"/>
+            </a:solidFill>
+            <a:ln>
+              <a:noFill/>
+            </a:ln>
+          </p:spPr>
+          <p:style>
+            <a:lnRef idx="2">
+              <a:schemeClr val="accent1">
+                <a:shade val="15000"/>
+              </a:schemeClr>
+            </a:lnRef>
+            <a:fillRef idx="1">
+              <a:schemeClr val="accent1"/>
+            </a:fillRef>
+            <a:effectRef idx="0">
+              <a:schemeClr val="accent1"/>
+            </a:effectRef>
+            <a:fontRef idx="minor">
+              <a:schemeClr val="lt1"/>
+            </a:fontRef>
+          </p:style>
+          <p:txBody>
+            <a:bodyPr rtlCol="0" anchor="ctr"/>
+            <a:lstStyle/>
+            <a:p>
+              <a:pPr algn="ctr"/>
+              <a:endParaRPr lang="en-KR"/>
+            </a:p>
+          </p:txBody>
+        </p:sp>
+        <p:pic>
+          <p:nvPicPr>
+            <p:cNvPr id="6" name="Picture 5">
+              <a:extLst>
+                <a:ext uri="{FF2B5EF4-FFF2-40B4-BE49-F238E27FC236}">
+                  <a16:creationId xmlns:a16="http://schemas.microsoft.com/office/drawing/2014/main" id="{29ED58B4-DAAB-C03E-3106-FB521D8C0886}"/>
+                </a:ext>
+              </a:extLst>
+            </p:cNvPr>
+            <p:cNvPicPr>
+              <a:picLocks noChangeAspect="1"/>
+            </p:cNvPicPr>
+            <p:nvPr/>
+          </p:nvPicPr>
+          <p:blipFill>
+            <a:blip r:embed="rId2"/>
+            <a:stretch>
+              <a:fillRect/>
+            </a:stretch>
+          </p:blipFill>
+          <p:spPr>
+            <a:xfrm>
+              <a:off x="0" y="6533634"/>
+              <a:ext cx="2044700" cy="279400"/>
+            </a:xfrm>
+            <a:prstGeom prst="rect">
+              <a:avLst/>
+            </a:prstGeom>
+          </p:spPr>
+        </p:pic>
+      </p:grpSp>
+      <p:sp>
+        <p:nvSpPr>
+          <p:cNvPr id="7" name="TextBox 6">
+            <a:extLst>
+              <a:ext uri="{FF2B5EF4-FFF2-40B4-BE49-F238E27FC236}">
+                <a16:creationId xmlns:a16="http://schemas.microsoft.com/office/drawing/2014/main" id="{46D5362D-AC38-83AB-80AF-96F50407520D}"/>
+              </a:ext>
+            </a:extLst>
+          </p:cNvPr>
+          <p:cNvSpPr txBox="1"/>
+          <p:nvPr/>
+        </p:nvSpPr>
+        <p:spPr>
+          <a:xfrm>
+            <a:off x="211016" y="150725"/>
+            <a:ext cx="2865272" cy="461665"/>
+          </a:xfrm>
+          <a:prstGeom prst="rect">
+            <a:avLst/>
+          </a:prstGeom>
+          <a:noFill/>
+        </p:spPr>
+        <p:txBody>
+          <a:bodyPr wrap="none" rtlCol="0">
+            <a:spAutoFit/>
+          </a:bodyPr>
+          <a:lstStyle/>
+          <a:p>
+            <a:r>
+              <a:rPr lang="en-KR" sz="2400" b="1" dirty="0">
+                <a:latin typeface="NanumSquare Bold" panose="020B0600000101010101" pitchFamily="34" charset="-127"/>
+                <a:ea typeface="NanumSquare Bold" panose="020B0600000101010101" pitchFamily="34" charset="-127"/>
+              </a:rPr>
+              <a:t>Strategy: Distance</a:t>
+            </a:r>
+          </a:p>
+        </p:txBody>
+      </p:sp>
+      <p:sp>
+        <p:nvSpPr>
+          <p:cNvPr id="14" name="Rectangle 13">
+            <a:extLst>
+              <a:ext uri="{FF2B5EF4-FFF2-40B4-BE49-F238E27FC236}">
+                <a16:creationId xmlns:a16="http://schemas.microsoft.com/office/drawing/2014/main" id="{B73476CD-ADC9-F1ED-BD34-2D0B8BAD9DC1}"/>
+              </a:ext>
+            </a:extLst>
+          </p:cNvPr>
+          <p:cNvSpPr/>
+          <p:nvPr/>
+        </p:nvSpPr>
+        <p:spPr>
+          <a:xfrm>
+            <a:off x="1489040" y="1462452"/>
+            <a:ext cx="1790099" cy="2843683"/>
+          </a:xfrm>
+          <a:prstGeom prst="rect">
+            <a:avLst/>
+          </a:prstGeom>
+          <a:solidFill>
+            <a:srgbClr val="C85D87"/>
+          </a:solidFill>
+          <a:ln>
+            <a:solidFill>
+              <a:srgbClr val="C8004E"/>
+            </a:solidFill>
+          </a:ln>
+        </p:spPr>
+        <p:style>
+          <a:lnRef idx="2">
+            <a:schemeClr val="accent1">
+              <a:shade val="15000"/>
+            </a:schemeClr>
+          </a:lnRef>
+          <a:fillRef idx="1">
+            <a:schemeClr val="accent1"/>
+          </a:fillRef>
+          <a:effectRef idx="0">
+            <a:schemeClr val="accent1"/>
+          </a:effectRef>
+          <a:fontRef idx="minor">
+            <a:schemeClr val="lt1"/>
+          </a:fontRef>
+        </p:style>
+        <p:txBody>
+          <a:bodyPr rtlCol="0" anchor="ctr"/>
+          <a:lstStyle/>
+          <a:p>
+            <a:pPr algn="ctr"/>
+            <a:endParaRPr lang="en-KR"/>
+          </a:p>
+        </p:txBody>
+      </p:sp>
+      <p:sp>
+        <p:nvSpPr>
+          <p:cNvPr id="15" name="Rectangle 14">
+            <a:extLst>
+              <a:ext uri="{FF2B5EF4-FFF2-40B4-BE49-F238E27FC236}">
+                <a16:creationId xmlns:a16="http://schemas.microsoft.com/office/drawing/2014/main" id="{853B5114-6388-A7A2-5AA7-534E99F2F94C}"/>
+              </a:ext>
+            </a:extLst>
+          </p:cNvPr>
+          <p:cNvSpPr/>
+          <p:nvPr/>
+        </p:nvSpPr>
+        <p:spPr>
+          <a:xfrm rot="5400000">
+            <a:off x="4675942" y="1462451"/>
+            <a:ext cx="1790099" cy="2843683"/>
+          </a:xfrm>
+          <a:prstGeom prst="rect">
+            <a:avLst/>
+          </a:prstGeom>
+          <a:solidFill>
+            <a:srgbClr val="C85D87"/>
+          </a:solidFill>
+          <a:ln>
+            <a:solidFill>
+              <a:srgbClr val="C8004E"/>
+            </a:solidFill>
+          </a:ln>
+        </p:spPr>
+        <p:style>
+          <a:lnRef idx="2">
+            <a:schemeClr val="accent1">
+              <a:shade val="15000"/>
+            </a:schemeClr>
+          </a:lnRef>
+          <a:fillRef idx="1">
+            <a:schemeClr val="accent1"/>
+          </a:fillRef>
+          <a:effectRef idx="0">
+            <a:schemeClr val="accent1"/>
+          </a:effectRef>
+          <a:fontRef idx="minor">
+            <a:schemeClr val="lt1"/>
+          </a:fontRef>
+        </p:style>
+        <p:txBody>
+          <a:bodyPr rtlCol="0" anchor="ctr"/>
+          <a:lstStyle/>
+          <a:p>
+            <a:pPr algn="ctr"/>
+            <a:endParaRPr lang="en-KR"/>
+          </a:p>
+        </p:txBody>
+      </p:sp>
+      <p:sp>
+        <p:nvSpPr>
+          <p:cNvPr id="16" name="TextBox 15">
+            <a:extLst>
+              <a:ext uri="{FF2B5EF4-FFF2-40B4-BE49-F238E27FC236}">
+                <a16:creationId xmlns:a16="http://schemas.microsoft.com/office/drawing/2014/main" id="{EC3B3C7A-20A4-CD70-9EF2-A002D9476166}"/>
+              </a:ext>
+            </a:extLst>
+          </p:cNvPr>
+          <p:cNvSpPr txBox="1"/>
+          <p:nvPr/>
+        </p:nvSpPr>
+        <p:spPr>
+          <a:xfrm>
+            <a:off x="3498176" y="2699626"/>
+            <a:ext cx="306494" cy="369332"/>
+          </a:xfrm>
+          <a:prstGeom prst="rect">
+            <a:avLst/>
+          </a:prstGeom>
+          <a:noFill/>
+        </p:spPr>
+        <p:txBody>
+          <a:bodyPr wrap="none" rtlCol="0">
+            <a:spAutoFit/>
+          </a:bodyPr>
+          <a:lstStyle/>
+          <a:p>
+            <a:r>
+              <a:rPr lang="en-KR" dirty="0"/>
+              <a:t>o</a:t>
+            </a:r>
+          </a:p>
+        </p:txBody>
+      </p:sp>
+      <p:pic>
+        <p:nvPicPr>
+          <p:cNvPr id="17" name="Picture 16">
+            <a:extLst>
+              <a:ext uri="{FF2B5EF4-FFF2-40B4-BE49-F238E27FC236}">
+                <a16:creationId xmlns:a16="http://schemas.microsoft.com/office/drawing/2014/main" id="{38D82953-8187-8A65-9BB0-BB698C21E846}"/>
+              </a:ext>
+            </a:extLst>
+          </p:cNvPr>
+          <p:cNvPicPr>
+            <a:picLocks noChangeAspect="1"/>
+          </p:cNvPicPr>
+          <p:nvPr/>
+        </p:nvPicPr>
+        <p:blipFill rotWithShape="1">
+          <a:blip r:embed="rId3"/>
+          <a:srcRect l="44566" t="16245" r="49555" b="20534"/>
+          <a:stretch/>
+        </p:blipFill>
+        <p:spPr>
+          <a:xfrm>
+            <a:off x="2263508" y="4394398"/>
+            <a:ext cx="241161" cy="369333"/>
+          </a:xfrm>
+          <a:prstGeom prst="rect">
+            <a:avLst/>
+          </a:prstGeom>
+        </p:spPr>
+      </p:pic>
+      <p:pic>
+        <p:nvPicPr>
+          <p:cNvPr id="18" name="Picture 17">
+            <a:extLst>
+              <a:ext uri="{FF2B5EF4-FFF2-40B4-BE49-F238E27FC236}">
+                <a16:creationId xmlns:a16="http://schemas.microsoft.com/office/drawing/2014/main" id="{38540589-5031-E0D4-D3CE-3934E8392B38}"/>
+              </a:ext>
+            </a:extLst>
+          </p:cNvPr>
+          <p:cNvPicPr>
+            <a:picLocks noChangeAspect="1"/>
+          </p:cNvPicPr>
+          <p:nvPr/>
+        </p:nvPicPr>
+        <p:blipFill rotWithShape="1">
+          <a:blip r:embed="rId3"/>
+          <a:srcRect l="52648" t="16245" r="38533" b="20534"/>
+          <a:stretch/>
+        </p:blipFill>
+        <p:spPr>
+          <a:xfrm>
+            <a:off x="5390120" y="3869961"/>
+            <a:ext cx="361741" cy="369332"/>
+          </a:xfrm>
+          <a:prstGeom prst="rect">
+            <a:avLst/>
+          </a:prstGeom>
+        </p:spPr>
+      </p:pic>
+      <p:sp>
+        <p:nvSpPr>
+          <p:cNvPr id="19" name="Rectangle 18">
+            <a:extLst>
+              <a:ext uri="{FF2B5EF4-FFF2-40B4-BE49-F238E27FC236}">
+                <a16:creationId xmlns:a16="http://schemas.microsoft.com/office/drawing/2014/main" id="{52F3D8A6-47B0-0625-BB92-E9F3854BC3DF}"/>
+              </a:ext>
+            </a:extLst>
+          </p:cNvPr>
+          <p:cNvSpPr/>
+          <p:nvPr/>
+        </p:nvSpPr>
+        <p:spPr>
+          <a:xfrm>
+            <a:off x="8030652" y="1462452"/>
+            <a:ext cx="2843683" cy="2843683"/>
+          </a:xfrm>
+          <a:prstGeom prst="rect">
+            <a:avLst/>
+          </a:prstGeom>
+          <a:solidFill>
+            <a:srgbClr val="C85D87"/>
+          </a:solidFill>
+          <a:ln>
+            <a:solidFill>
+              <a:srgbClr val="C8004E"/>
+            </a:solidFill>
+          </a:ln>
+        </p:spPr>
+        <p:style>
+          <a:lnRef idx="2">
+            <a:schemeClr val="accent1">
+              <a:shade val="15000"/>
+            </a:schemeClr>
+          </a:lnRef>
+          <a:fillRef idx="1">
+            <a:schemeClr val="accent1"/>
+          </a:fillRef>
+          <a:effectRef idx="0">
+            <a:schemeClr val="accent1"/>
+          </a:effectRef>
+          <a:fontRef idx="minor">
+            <a:schemeClr val="lt1"/>
+          </a:fontRef>
+        </p:style>
+        <p:txBody>
+          <a:bodyPr rtlCol="0" anchor="ctr"/>
+          <a:lstStyle/>
+          <a:p>
+            <a:pPr algn="ctr"/>
+            <a:endParaRPr lang="en-KR"/>
+          </a:p>
+        </p:txBody>
+      </p:sp>
+      <p:sp>
+        <p:nvSpPr>
+          <p:cNvPr id="20" name="TextBox 19">
+            <a:extLst>
+              <a:ext uri="{FF2B5EF4-FFF2-40B4-BE49-F238E27FC236}">
+                <a16:creationId xmlns:a16="http://schemas.microsoft.com/office/drawing/2014/main" id="{2C192351-231D-25B9-9531-BFDF7FB0B3E4}"/>
+              </a:ext>
+            </a:extLst>
+          </p:cNvPr>
+          <p:cNvSpPr txBox="1"/>
+          <p:nvPr/>
+        </p:nvSpPr>
+        <p:spPr>
+          <a:xfrm>
+            <a:off x="7297122" y="2699626"/>
+            <a:ext cx="300082" cy="369332"/>
+          </a:xfrm>
+          <a:prstGeom prst="rect">
+            <a:avLst/>
+          </a:prstGeom>
+          <a:noFill/>
+        </p:spPr>
+        <p:txBody>
+          <a:bodyPr wrap="none" rtlCol="0">
+            <a:spAutoFit/>
+          </a:bodyPr>
+          <a:lstStyle/>
+          <a:p>
+            <a:r>
+              <a:rPr lang="en-KR" dirty="0"/>
+              <a:t>=</a:t>
+            </a:r>
+          </a:p>
+        </p:txBody>
+      </p:sp>
+      <p:pic>
+        <p:nvPicPr>
+          <p:cNvPr id="21" name="Picture 20">
+            <a:extLst>
+              <a:ext uri="{FF2B5EF4-FFF2-40B4-BE49-F238E27FC236}">
+                <a16:creationId xmlns:a16="http://schemas.microsoft.com/office/drawing/2014/main" id="{97E3F338-71DA-C26D-73A2-1A7CBF0DC8DC}"/>
+              </a:ext>
+            </a:extLst>
+          </p:cNvPr>
+          <p:cNvPicPr>
+            <a:picLocks noChangeAspect="1"/>
+          </p:cNvPicPr>
+          <p:nvPr/>
+        </p:nvPicPr>
+        <p:blipFill rotWithShape="1">
+          <a:blip r:embed="rId3"/>
+          <a:srcRect l="70862" t="22457" r="23014" b="17968"/>
+          <a:stretch/>
+        </p:blipFill>
+        <p:spPr>
+          <a:xfrm>
+            <a:off x="9326889" y="4412081"/>
+            <a:ext cx="251208" cy="348035"/>
+          </a:xfrm>
+          <a:prstGeom prst="rect">
+            <a:avLst/>
+          </a:prstGeom>
+        </p:spPr>
+      </p:pic>
+      <p:sp>
+        <p:nvSpPr>
+          <p:cNvPr id="22" name="TextBox 21">
+            <a:extLst>
+              <a:ext uri="{FF2B5EF4-FFF2-40B4-BE49-F238E27FC236}">
+                <a16:creationId xmlns:a16="http://schemas.microsoft.com/office/drawing/2014/main" id="{D1309752-6989-0033-C141-CD867EB957A1}"/>
+              </a:ext>
+            </a:extLst>
+          </p:cNvPr>
+          <p:cNvSpPr txBox="1"/>
+          <p:nvPr/>
+        </p:nvSpPr>
+        <p:spPr>
+          <a:xfrm>
+            <a:off x="1219768" y="2699626"/>
+            <a:ext cx="327334" cy="369332"/>
+          </a:xfrm>
+          <a:prstGeom prst="rect">
+            <a:avLst/>
+          </a:prstGeom>
+          <a:noFill/>
+        </p:spPr>
+        <p:txBody>
+          <a:bodyPr wrap="none" rtlCol="0">
+            <a:spAutoFit/>
+          </a:bodyPr>
+          <a:lstStyle/>
+          <a:p>
+            <a:r>
+              <a:rPr lang="en-KR" b="1" dirty="0">
+                <a:latin typeface="NanumSquare ExtraBold" panose="020B0600000101010101" pitchFamily="34" charset="-127"/>
+                <a:ea typeface="NanumSquare ExtraBold" panose="020B0600000101010101" pitchFamily="34" charset="-127"/>
+              </a:rPr>
+              <a:t>n</a:t>
+            </a:r>
+          </a:p>
+        </p:txBody>
+      </p:sp>
+      <p:sp>
+        <p:nvSpPr>
+          <p:cNvPr id="23" name="TextBox 22">
+            <a:extLst>
+              <a:ext uri="{FF2B5EF4-FFF2-40B4-BE49-F238E27FC236}">
+                <a16:creationId xmlns:a16="http://schemas.microsoft.com/office/drawing/2014/main" id="{C5107E5B-4FF7-405E-91C7-22DA848ED588}"/>
+              </a:ext>
+            </a:extLst>
+          </p:cNvPr>
+          <p:cNvSpPr txBox="1"/>
+          <p:nvPr/>
+        </p:nvSpPr>
+        <p:spPr>
+          <a:xfrm>
+            <a:off x="5407323" y="1668112"/>
+            <a:ext cx="327334" cy="369332"/>
+          </a:xfrm>
+          <a:prstGeom prst="rect">
+            <a:avLst/>
+          </a:prstGeom>
+          <a:noFill/>
+        </p:spPr>
+        <p:txBody>
+          <a:bodyPr wrap="none" rtlCol="0">
+            <a:spAutoFit/>
+          </a:bodyPr>
+          <a:lstStyle/>
+          <a:p>
+            <a:r>
+              <a:rPr lang="en-KR" b="1" dirty="0">
+                <a:latin typeface="NanumSquare ExtraBold" panose="020B0600000101010101" pitchFamily="34" charset="-127"/>
+                <a:ea typeface="NanumSquare ExtraBold" panose="020B0600000101010101" pitchFamily="34" charset="-127"/>
+              </a:rPr>
+              <a:t>n</a:t>
+            </a:r>
+          </a:p>
+        </p:txBody>
+      </p:sp>
+      <p:sp>
+        <p:nvSpPr>
+          <p:cNvPr id="24" name="TextBox 23">
+            <a:extLst>
+              <a:ext uri="{FF2B5EF4-FFF2-40B4-BE49-F238E27FC236}">
+                <a16:creationId xmlns:a16="http://schemas.microsoft.com/office/drawing/2014/main" id="{5EAB915E-DB3D-A581-971C-075DD344AC7C}"/>
+              </a:ext>
+            </a:extLst>
+          </p:cNvPr>
+          <p:cNvSpPr txBox="1"/>
+          <p:nvPr/>
+        </p:nvSpPr>
+        <p:spPr>
+          <a:xfrm>
+            <a:off x="2224429" y="1141321"/>
+            <a:ext cx="325730" cy="369332"/>
+          </a:xfrm>
+          <a:prstGeom prst="rect">
+            <a:avLst/>
+          </a:prstGeom>
+          <a:noFill/>
+        </p:spPr>
+        <p:txBody>
+          <a:bodyPr wrap="none" rtlCol="0">
+            <a:spAutoFit/>
+          </a:bodyPr>
+          <a:lstStyle/>
+          <a:p>
+            <a:r>
+              <a:rPr lang="en-US" b="1" dirty="0">
+                <a:latin typeface="NanumSquare ExtraBold" panose="020B0600000101010101" pitchFamily="34" charset="-127"/>
+                <a:ea typeface="NanumSquare ExtraBold" panose="020B0600000101010101" pitchFamily="34" charset="-127"/>
+              </a:rPr>
+              <a:t>d</a:t>
+            </a:r>
+            <a:endParaRPr lang="en-KR" b="1" dirty="0">
+              <a:latin typeface="NanumSquare ExtraBold" panose="020B0600000101010101" pitchFamily="34" charset="-127"/>
+              <a:ea typeface="NanumSquare ExtraBold" panose="020B0600000101010101" pitchFamily="34" charset="-127"/>
+            </a:endParaRPr>
+          </a:p>
+        </p:txBody>
+      </p:sp>
+      <p:sp>
+        <p:nvSpPr>
+          <p:cNvPr id="26" name="TextBox 25">
+            <a:extLst>
+              <a:ext uri="{FF2B5EF4-FFF2-40B4-BE49-F238E27FC236}">
+                <a16:creationId xmlns:a16="http://schemas.microsoft.com/office/drawing/2014/main" id="{F9FB5A4C-6D5C-F0AF-D271-ACE3A8623963}"/>
+              </a:ext>
+            </a:extLst>
+          </p:cNvPr>
+          <p:cNvSpPr txBox="1"/>
+          <p:nvPr/>
+        </p:nvSpPr>
+        <p:spPr>
+          <a:xfrm>
+            <a:off x="3901927" y="2699626"/>
+            <a:ext cx="325730" cy="369332"/>
+          </a:xfrm>
+          <a:prstGeom prst="rect">
+            <a:avLst/>
+          </a:prstGeom>
+          <a:noFill/>
+        </p:spPr>
+        <p:txBody>
+          <a:bodyPr wrap="none" rtlCol="0">
+            <a:spAutoFit/>
+          </a:bodyPr>
+          <a:lstStyle/>
+          <a:p>
+            <a:r>
+              <a:rPr lang="en-KR" b="1" dirty="0">
+                <a:latin typeface="NanumSquare ExtraBold" panose="020B0600000101010101" pitchFamily="34" charset="-127"/>
+                <a:ea typeface="NanumSquare ExtraBold" panose="020B0600000101010101" pitchFamily="34" charset="-127"/>
+              </a:rPr>
+              <a:t>d</a:t>
+            </a:r>
+          </a:p>
+        </p:txBody>
+      </p:sp>
+      <p:sp>
+        <p:nvSpPr>
+          <p:cNvPr id="27" name="TextBox 26">
+            <a:extLst>
+              <a:ext uri="{FF2B5EF4-FFF2-40B4-BE49-F238E27FC236}">
+                <a16:creationId xmlns:a16="http://schemas.microsoft.com/office/drawing/2014/main" id="{7BB02A1F-76B8-53E3-7AD1-3A03C0AC346D}"/>
+              </a:ext>
+            </a:extLst>
+          </p:cNvPr>
+          <p:cNvSpPr txBox="1"/>
+          <p:nvPr/>
+        </p:nvSpPr>
+        <p:spPr>
+          <a:xfrm>
+            <a:off x="9288826" y="1171840"/>
+            <a:ext cx="327334" cy="369332"/>
+          </a:xfrm>
+          <a:prstGeom prst="rect">
+            <a:avLst/>
+          </a:prstGeom>
+          <a:noFill/>
+        </p:spPr>
+        <p:txBody>
+          <a:bodyPr wrap="none" rtlCol="0">
+            <a:spAutoFit/>
+          </a:bodyPr>
+          <a:lstStyle/>
+          <a:p>
+            <a:r>
+              <a:rPr lang="en-KR" b="1" dirty="0">
+                <a:latin typeface="NanumSquare ExtraBold" panose="020B0600000101010101" pitchFamily="34" charset="-127"/>
+                <a:ea typeface="NanumSquare ExtraBold" panose="020B0600000101010101" pitchFamily="34" charset="-127"/>
+              </a:rPr>
+              <a:t>n</a:t>
+            </a:r>
+          </a:p>
+        </p:txBody>
+      </p:sp>
+      <p:sp>
+        <p:nvSpPr>
+          <p:cNvPr id="29" name="TextBox 28">
+            <a:extLst>
+              <a:ext uri="{FF2B5EF4-FFF2-40B4-BE49-F238E27FC236}">
+                <a16:creationId xmlns:a16="http://schemas.microsoft.com/office/drawing/2014/main" id="{FFFCFEBF-E679-A935-9CF9-DE9172389694}"/>
+              </a:ext>
+            </a:extLst>
+          </p:cNvPr>
+          <p:cNvSpPr txBox="1"/>
+          <p:nvPr/>
+        </p:nvSpPr>
+        <p:spPr>
+          <a:xfrm>
+            <a:off x="7767970" y="2697484"/>
+            <a:ext cx="327334" cy="369332"/>
+          </a:xfrm>
+          <a:prstGeom prst="rect">
+            <a:avLst/>
+          </a:prstGeom>
+          <a:noFill/>
+        </p:spPr>
+        <p:txBody>
+          <a:bodyPr wrap="none" rtlCol="0">
+            <a:spAutoFit/>
+          </a:bodyPr>
+          <a:lstStyle/>
+          <a:p>
+            <a:r>
+              <a:rPr lang="en-KR" b="1" dirty="0">
+                <a:latin typeface="NanumSquare ExtraBold" panose="020B0600000101010101" pitchFamily="34" charset="-127"/>
+                <a:ea typeface="NanumSquare ExtraBold" panose="020B0600000101010101" pitchFamily="34" charset="-127"/>
+              </a:rPr>
+              <a:t>n</a:t>
+            </a:r>
+          </a:p>
+        </p:txBody>
+      </p:sp>
+      <p:pic>
+        <p:nvPicPr>
+          <p:cNvPr id="2" name="Picture 1">
+            <a:extLst>
+              <a:ext uri="{FF2B5EF4-FFF2-40B4-BE49-F238E27FC236}">
+                <a16:creationId xmlns:a16="http://schemas.microsoft.com/office/drawing/2014/main" id="{7A743CD5-82E0-702E-ECA6-509B5820D20E}"/>
+              </a:ext>
+            </a:extLst>
+          </p:cNvPr>
+          <p:cNvPicPr>
+            <a:picLocks noChangeAspect="1"/>
+          </p:cNvPicPr>
+          <p:nvPr/>
+        </p:nvPicPr>
+        <p:blipFill>
+          <a:blip r:embed="rId4"/>
+          <a:stretch>
+            <a:fillRect/>
+          </a:stretch>
+        </p:blipFill>
+        <p:spPr>
+          <a:xfrm>
+            <a:off x="3279139" y="4939946"/>
+            <a:ext cx="5333696" cy="1433204"/>
+          </a:xfrm>
+          <a:prstGeom prst="rect">
+            <a:avLst/>
+          </a:prstGeom>
+        </p:spPr>
+      </p:pic>
+    </p:spTree>
+    <p:extLst>
+      <p:ext uri="{BB962C8B-B14F-4D97-AF65-F5344CB8AC3E}">
+        <p14:creationId xmlns:p14="http://schemas.microsoft.com/office/powerpoint/2010/main" val="3463676120"/>
+      </p:ext>
+    </p:extLst>
+  </p:cSld>
+  <p:clrMapOvr>
+    <a:masterClrMapping/>
+  </p:clrMapOvr>
+</p:sld>
+</file>
+
+<file path=ppt/slides/slide7.xml><?xml version="1.0" encoding="utf-8"?>
+<p:sld xmlns:a="http://schemas.openxmlformats.org/drawingml/2006/main" xmlns:r="http://schemas.openxmlformats.org/officeDocument/2006/relationships" xmlns:p="http://schemas.openxmlformats.org/presentationml/2006/main">
+  <p:cSld>
+    <p:spTree>
+      <p:nvGrpSpPr>
+        <p:cNvPr id="1" name=""/>
+        <p:cNvGrpSpPr/>
+        <p:nvPr/>
+      </p:nvGrpSpPr>
+      <p:grpSpPr>
+        <a:xfrm>
+          <a:off x="0" y="0"/>
+          <a:ext cx="0" cy="0"/>
+          <a:chOff x="0" y="0"/>
+          <a:chExt cx="0" cy="0"/>
+        </a:xfrm>
+      </p:grpSpPr>
+      <p:grpSp>
+        <p:nvGrpSpPr>
+          <p:cNvPr id="4" name="Group 3">
+            <a:extLst>
+              <a:ext uri="{FF2B5EF4-FFF2-40B4-BE49-F238E27FC236}">
+                <a16:creationId xmlns:a16="http://schemas.microsoft.com/office/drawing/2014/main" id="{07D51F58-1B32-D4E6-3E65-9E3542DA2B0B}"/>
+              </a:ext>
+            </a:extLst>
+          </p:cNvPr>
+          <p:cNvGrpSpPr/>
+          <p:nvPr/>
+        </p:nvGrpSpPr>
+        <p:grpSpPr>
+          <a:xfrm>
+            <a:off x="0" y="6488668"/>
+            <a:ext cx="12192000" cy="369332"/>
+            <a:chOff x="0" y="6488668"/>
+            <a:chExt cx="12192000" cy="369332"/>
+          </a:xfrm>
+        </p:grpSpPr>
+        <p:sp>
+          <p:nvSpPr>
+            <p:cNvPr id="5" name="Rectangle 4">
+              <a:extLst>
+                <a:ext uri="{FF2B5EF4-FFF2-40B4-BE49-F238E27FC236}">
+                  <a16:creationId xmlns:a16="http://schemas.microsoft.com/office/drawing/2014/main" id="{13B0D5CE-9B7A-774E-7A23-EB94AC535B35}"/>
+                </a:ext>
+              </a:extLst>
+            </p:cNvPr>
+            <p:cNvSpPr/>
+            <p:nvPr/>
+          </p:nvSpPr>
+          <p:spPr>
+            <a:xfrm>
+              <a:off x="1" y="6488668"/>
+              <a:ext cx="12191999" cy="369332"/>
+            </a:xfrm>
+            <a:prstGeom prst="rect">
+              <a:avLst/>
+            </a:prstGeom>
+            <a:solidFill>
+              <a:srgbClr val="C8004F"/>
+            </a:solidFill>
+            <a:ln>
+              <a:noFill/>
+            </a:ln>
+          </p:spPr>
+          <p:style>
+            <a:lnRef idx="2">
+              <a:schemeClr val="accent1">
+                <a:shade val="15000"/>
+              </a:schemeClr>
+            </a:lnRef>
+            <a:fillRef idx="1">
+              <a:schemeClr val="accent1"/>
+            </a:fillRef>
+            <a:effectRef idx="0">
+              <a:schemeClr val="accent1"/>
+            </a:effectRef>
+            <a:fontRef idx="minor">
+              <a:schemeClr val="lt1"/>
+            </a:fontRef>
+          </p:style>
+          <p:txBody>
+            <a:bodyPr rtlCol="0" anchor="ctr"/>
+            <a:lstStyle/>
+            <a:p>
+              <a:pPr algn="ctr"/>
+              <a:endParaRPr lang="en-KR"/>
+            </a:p>
+          </p:txBody>
+        </p:sp>
+        <p:pic>
+          <p:nvPicPr>
+            <p:cNvPr id="6" name="Picture 5">
+              <a:extLst>
+                <a:ext uri="{FF2B5EF4-FFF2-40B4-BE49-F238E27FC236}">
+                  <a16:creationId xmlns:a16="http://schemas.microsoft.com/office/drawing/2014/main" id="{29ED58B4-DAAB-C03E-3106-FB521D8C0886}"/>
+                </a:ext>
+              </a:extLst>
+            </p:cNvPr>
+            <p:cNvPicPr>
+              <a:picLocks noChangeAspect="1"/>
+            </p:cNvPicPr>
+            <p:nvPr/>
+          </p:nvPicPr>
+          <p:blipFill>
+            <a:blip r:embed="rId2"/>
+            <a:stretch>
+              <a:fillRect/>
+            </a:stretch>
+          </p:blipFill>
+          <p:spPr>
+            <a:xfrm>
+              <a:off x="0" y="6533634"/>
+              <a:ext cx="2044700" cy="279400"/>
+            </a:xfrm>
+            <a:prstGeom prst="rect">
+              <a:avLst/>
+            </a:prstGeom>
+          </p:spPr>
+        </p:pic>
+      </p:grpSp>
+      <p:sp>
+        <p:nvSpPr>
+          <p:cNvPr id="7" name="TextBox 6">
+            <a:extLst>
+              <a:ext uri="{FF2B5EF4-FFF2-40B4-BE49-F238E27FC236}">
+                <a16:creationId xmlns:a16="http://schemas.microsoft.com/office/drawing/2014/main" id="{46D5362D-AC38-83AB-80AF-96F50407520D}"/>
+              </a:ext>
+            </a:extLst>
+          </p:cNvPr>
+          <p:cNvSpPr txBox="1"/>
+          <p:nvPr/>
+        </p:nvSpPr>
+        <p:spPr>
+          <a:xfrm>
+            <a:off x="211016" y="150725"/>
+            <a:ext cx="2236766" cy="461665"/>
+          </a:xfrm>
+          <a:prstGeom prst="rect">
+            <a:avLst/>
+          </a:prstGeom>
+          <a:noFill/>
+        </p:spPr>
+        <p:txBody>
+          <a:bodyPr wrap="none" rtlCol="0">
+            <a:spAutoFit/>
+          </a:bodyPr>
+          <a:lstStyle/>
+          <a:p>
+            <a:r>
+              <a:rPr lang="en-KR" sz="2400" b="1" dirty="0">
+                <a:latin typeface="NanumSquare Bold" panose="020B0600000101010101" pitchFamily="34" charset="-127"/>
+                <a:ea typeface="NanumSquare Bold" panose="020B0600000101010101" pitchFamily="34" charset="-127"/>
+              </a:rPr>
+              <a:t>Strategy: Sort</a:t>
+            </a:r>
+          </a:p>
+        </p:txBody>
+      </p:sp>
+      <p:sp>
+        <p:nvSpPr>
+          <p:cNvPr id="9" name="TextBox 8">
+            <a:extLst>
+              <a:ext uri="{FF2B5EF4-FFF2-40B4-BE49-F238E27FC236}">
+                <a16:creationId xmlns:a16="http://schemas.microsoft.com/office/drawing/2014/main" id="{FB08BE1C-0C4B-D2AA-291E-E85C8F8BC75F}"/>
+              </a:ext>
+            </a:extLst>
+          </p:cNvPr>
+          <p:cNvSpPr txBox="1"/>
+          <p:nvPr/>
+        </p:nvSpPr>
+        <p:spPr>
+          <a:xfrm>
+            <a:off x="351694" y="2792630"/>
+            <a:ext cx="7164473" cy="971292"/>
+          </a:xfrm>
+          <a:prstGeom prst="rect">
+            <a:avLst/>
+          </a:prstGeom>
+          <a:noFill/>
+        </p:spPr>
+        <p:txBody>
+          <a:bodyPr wrap="square" rtlCol="0">
+            <a:spAutoFit/>
+          </a:bodyPr>
+          <a:lstStyle/>
+          <a:p>
+            <a:pPr>
+              <a:lnSpc>
+                <a:spcPct val="150000"/>
+              </a:lnSpc>
+            </a:pPr>
+            <a:r>
+              <a:rPr lang="en-KR" sz="2000" dirty="0">
+                <a:latin typeface="NanumSquare Light" panose="020B0600000101010101" pitchFamily="34" charset="-127"/>
+                <a:ea typeface="NanumSquare Light" panose="020B0600000101010101" pitchFamily="34" charset="-127"/>
+              </a:rPr>
+              <a:t>- Na</a:t>
+            </a:r>
+            <a:r>
+              <a:rPr lang="en-US" sz="2000" dirty="0" err="1">
+                <a:latin typeface="NanumSquare Light" panose="020B0600000101010101" pitchFamily="34" charset="-127"/>
+                <a:ea typeface="NanumSquare Light" panose="020B0600000101010101" pitchFamily="34" charset="-127"/>
+              </a:rPr>
+              <a:t>ï</a:t>
+            </a:r>
+            <a:r>
+              <a:rPr lang="en-KR" sz="2000" dirty="0">
+                <a:latin typeface="NanumSquare Light" panose="020B0600000101010101" pitchFamily="34" charset="-127"/>
+                <a:ea typeface="NanumSquare Light" panose="020B0600000101010101" pitchFamily="34" charset="-127"/>
+              </a:rPr>
+              <a:t>ve: serial O(nlogn) sort (e.g. quick sort, merge sort … )</a:t>
+            </a:r>
+          </a:p>
+          <a:p>
+            <a:pPr>
+              <a:lnSpc>
+                <a:spcPct val="150000"/>
+              </a:lnSpc>
+            </a:pPr>
+            <a:r>
+              <a:rPr lang="en-KR" sz="2000" dirty="0">
+                <a:latin typeface="NanumSquare Light" panose="020B0600000101010101" pitchFamily="34" charset="-127"/>
+                <a:ea typeface="NanumSquare Light" panose="020B0600000101010101" pitchFamily="34" charset="-127"/>
+              </a:rPr>
+              <a:t>- Strategy: use </a:t>
+            </a:r>
+            <a:r>
+              <a:rPr lang="en-KR" sz="2000" dirty="0">
+                <a:solidFill>
+                  <a:srgbClr val="C8004E"/>
+                </a:solidFill>
+                <a:latin typeface="NanumSquare Light" panose="020B0600000101010101" pitchFamily="34" charset="-127"/>
+                <a:ea typeface="NanumSquare Light" panose="020B0600000101010101" pitchFamily="34" charset="-127"/>
+              </a:rPr>
+              <a:t>odd-even transposition sort </a:t>
+            </a:r>
+            <a:r>
+              <a:rPr lang="en-KR" sz="2000" dirty="0">
+                <a:latin typeface="NanumSquare Light" panose="020B0600000101010101" pitchFamily="34" charset="-127"/>
+                <a:ea typeface="NanumSquare Light" panose="020B0600000101010101" pitchFamily="34" charset="-127"/>
+              </a:rPr>
+              <a:t>in parallel</a:t>
+            </a:r>
+            <a:endParaRPr lang="en-KR" sz="2000" dirty="0">
+              <a:solidFill>
+                <a:srgbClr val="C8004E"/>
+              </a:solidFill>
+              <a:latin typeface="NanumSquare Light" panose="020B0600000101010101" pitchFamily="34" charset="-127"/>
+              <a:ea typeface="NanumSquare Light" panose="020B0600000101010101" pitchFamily="34" charset="-127"/>
+            </a:endParaRPr>
+          </a:p>
+        </p:txBody>
+      </p:sp>
+    </p:spTree>
+    <p:extLst>
+      <p:ext uri="{BB962C8B-B14F-4D97-AF65-F5344CB8AC3E}">
+        <p14:creationId xmlns:p14="http://schemas.microsoft.com/office/powerpoint/2010/main" val="1413416688"/>
+      </p:ext>
+    </p:extLst>
+  </p:cSld>
+  <p:clrMapOvr>
+    <a:masterClrMapping/>
+  </p:clrMapOvr>
+</p:sld>
+</file>
+
+<file path=ppt/slides/slide8.xml><?xml version="1.0" encoding="utf-8"?>
+<p:sld xmlns:a="http://schemas.openxmlformats.org/drawingml/2006/main" xmlns:r="http://schemas.openxmlformats.org/officeDocument/2006/relationships" xmlns:p="http://schemas.openxmlformats.org/presentationml/2006/main">
+  <p:cSld>
+    <p:spTree>
+      <p:nvGrpSpPr>
+        <p:cNvPr id="1" name=""/>
+        <p:cNvGrpSpPr/>
+        <p:nvPr/>
+      </p:nvGrpSpPr>
+      <p:grpSpPr>
+        <a:xfrm>
+          <a:off x="0" y="0"/>
+          <a:ext cx="0" cy="0"/>
+          <a:chOff x="0" y="0"/>
+          <a:chExt cx="0" cy="0"/>
+        </a:xfrm>
+      </p:grpSpPr>
+      <p:grpSp>
+        <p:nvGrpSpPr>
+          <p:cNvPr id="4" name="Group 3">
+            <a:extLst>
+              <a:ext uri="{FF2B5EF4-FFF2-40B4-BE49-F238E27FC236}">
+                <a16:creationId xmlns:a16="http://schemas.microsoft.com/office/drawing/2014/main" id="{07D51F58-1B32-D4E6-3E65-9E3542DA2B0B}"/>
+              </a:ext>
+            </a:extLst>
+          </p:cNvPr>
+          <p:cNvGrpSpPr/>
+          <p:nvPr/>
+        </p:nvGrpSpPr>
+        <p:grpSpPr>
+          <a:xfrm>
+            <a:off x="0" y="6488668"/>
+            <a:ext cx="12192000" cy="369332"/>
+            <a:chOff x="0" y="6488668"/>
+            <a:chExt cx="12192000" cy="369332"/>
+          </a:xfrm>
+        </p:grpSpPr>
+        <p:sp>
+          <p:nvSpPr>
+            <p:cNvPr id="5" name="Rectangle 4">
+              <a:extLst>
+                <a:ext uri="{FF2B5EF4-FFF2-40B4-BE49-F238E27FC236}">
+                  <a16:creationId xmlns:a16="http://schemas.microsoft.com/office/drawing/2014/main" id="{13B0D5CE-9B7A-774E-7A23-EB94AC535B35}"/>
+                </a:ext>
+              </a:extLst>
+            </p:cNvPr>
+            <p:cNvSpPr/>
+            <p:nvPr/>
+          </p:nvSpPr>
+          <p:spPr>
+            <a:xfrm>
+              <a:off x="1" y="6488668"/>
+              <a:ext cx="12191999" cy="369332"/>
+            </a:xfrm>
+            <a:prstGeom prst="rect">
+              <a:avLst/>
+            </a:prstGeom>
+            <a:solidFill>
+              <a:srgbClr val="C8004F"/>
+            </a:solidFill>
+            <a:ln>
+              <a:noFill/>
+            </a:ln>
+          </p:spPr>
+          <p:style>
+            <a:lnRef idx="2">
+              <a:schemeClr val="accent1">
+                <a:shade val="15000"/>
+              </a:schemeClr>
+            </a:lnRef>
+            <a:fillRef idx="1">
+              <a:schemeClr val="accent1"/>
+            </a:fillRef>
+            <a:effectRef idx="0">
+              <a:schemeClr val="accent1"/>
+            </a:effectRef>
+            <a:fontRef idx="minor">
+              <a:schemeClr val="lt1"/>
+            </a:fontRef>
+          </p:style>
+          <p:txBody>
+            <a:bodyPr rtlCol="0" anchor="ctr"/>
+            <a:lstStyle/>
+            <a:p>
+              <a:pPr algn="ctr"/>
+              <a:endParaRPr lang="en-KR"/>
+            </a:p>
+          </p:txBody>
+        </p:sp>
+        <p:pic>
+          <p:nvPicPr>
+            <p:cNvPr id="6" name="Picture 5">
+              <a:extLst>
+                <a:ext uri="{FF2B5EF4-FFF2-40B4-BE49-F238E27FC236}">
+                  <a16:creationId xmlns:a16="http://schemas.microsoft.com/office/drawing/2014/main" id="{29ED58B4-DAAB-C03E-3106-FB521D8C0886}"/>
+                </a:ext>
+              </a:extLst>
+            </p:cNvPr>
+            <p:cNvPicPr>
+              <a:picLocks noChangeAspect="1"/>
+            </p:cNvPicPr>
+            <p:nvPr/>
+          </p:nvPicPr>
+          <p:blipFill>
+            <a:blip r:embed="rId2"/>
+            <a:stretch>
+              <a:fillRect/>
+            </a:stretch>
+          </p:blipFill>
+          <p:spPr>
+            <a:xfrm>
+              <a:off x="0" y="6533634"/>
+              <a:ext cx="2044700" cy="279400"/>
+            </a:xfrm>
+            <a:prstGeom prst="rect">
+              <a:avLst/>
+            </a:prstGeom>
+          </p:spPr>
+        </p:pic>
+      </p:grpSp>
+      <p:sp>
+        <p:nvSpPr>
+          <p:cNvPr id="7" name="TextBox 6">
+            <a:extLst>
+              <a:ext uri="{FF2B5EF4-FFF2-40B4-BE49-F238E27FC236}">
+                <a16:creationId xmlns:a16="http://schemas.microsoft.com/office/drawing/2014/main" id="{46D5362D-AC38-83AB-80AF-96F50407520D}"/>
+              </a:ext>
+            </a:extLst>
+          </p:cNvPr>
+          <p:cNvSpPr txBox="1"/>
+          <p:nvPr/>
+        </p:nvSpPr>
+        <p:spPr>
+          <a:xfrm>
+            <a:off x="211016" y="150725"/>
+            <a:ext cx="2236766" cy="461665"/>
+          </a:xfrm>
+          <a:prstGeom prst="rect">
+            <a:avLst/>
+          </a:prstGeom>
+          <a:noFill/>
+        </p:spPr>
+        <p:txBody>
+          <a:bodyPr wrap="none" rtlCol="0">
+            <a:spAutoFit/>
+          </a:bodyPr>
+          <a:lstStyle/>
+          <a:p>
+            <a:r>
+              <a:rPr lang="en-KR" sz="2400" b="1" dirty="0">
+                <a:latin typeface="NanumSquare Bold" panose="020B0600000101010101" pitchFamily="34" charset="-127"/>
+                <a:ea typeface="NanumSquare Bold" panose="020B0600000101010101" pitchFamily="34" charset="-127"/>
+              </a:rPr>
+              <a:t>Strategy: Sort</a:t>
+            </a:r>
+          </a:p>
+        </p:txBody>
+      </p:sp>
+      <p:pic>
+        <p:nvPicPr>
+          <p:cNvPr id="9218" name="Picture 2" descr="Odd-Even Sort / Brick Sort - GeeksforGeeks">
+            <a:extLst>
+              <a:ext uri="{FF2B5EF4-FFF2-40B4-BE49-F238E27FC236}">
+                <a16:creationId xmlns:a16="http://schemas.microsoft.com/office/drawing/2014/main" id="{CA37A642-3CF8-CF14-8C01-34CD1822B708}"/>
+              </a:ext>
+            </a:extLst>
+          </p:cNvPr>
+          <p:cNvPicPr>
+            <a:picLocks noChangeAspect="1" noChangeArrowheads="1"/>
+          </p:cNvPicPr>
+          <p:nvPr/>
+        </p:nvPicPr>
+        <p:blipFill>
+          <a:blip r:embed="rId3">
+            <a:extLst>
+              <a:ext uri="{28A0092B-C50C-407E-A947-70E740481C1C}">
+                <a14:useLocalDpi xmlns:a14="http://schemas.microsoft.com/office/drawing/2010/main" val="0"/>
+              </a:ext>
+            </a:extLst>
+          </a:blip>
+          <a:srcRect/>
+          <a:stretch>
+            <a:fillRect/>
+          </a:stretch>
+        </p:blipFill>
+        <p:spPr bwMode="auto">
+          <a:xfrm>
+            <a:off x="7179965" y="1120705"/>
+            <a:ext cx="4182627" cy="4154366"/>
+          </a:xfrm>
+          <a:prstGeom prst="rect">
+            <a:avLst/>
+          </a:prstGeom>
+          <a:noFill/>
+          <a:extLst>
+            <a:ext uri="{909E8E84-426E-40DD-AFC4-6F175D3DCCD1}">
+              <a14:hiddenFill xmlns:a14="http://schemas.microsoft.com/office/drawing/2010/main">
+                <a:solidFill>
+                  <a:srgbClr val="FFFFFF"/>
+                </a:solidFill>
+              </a14:hiddenFill>
+            </a:ext>
+          </a:extLst>
+        </p:spPr>
+      </p:pic>
+      <p:sp>
+        <p:nvSpPr>
+          <p:cNvPr id="3" name="TextBox 2">
+            <a:extLst>
+              <a:ext uri="{FF2B5EF4-FFF2-40B4-BE49-F238E27FC236}">
+                <a16:creationId xmlns:a16="http://schemas.microsoft.com/office/drawing/2014/main" id="{658679BE-72DA-F3F1-2CC5-43C63980B47C}"/>
+              </a:ext>
+            </a:extLst>
+          </p:cNvPr>
+          <p:cNvSpPr txBox="1"/>
+          <p:nvPr/>
+        </p:nvSpPr>
+        <p:spPr>
+          <a:xfrm>
+            <a:off x="7683640" y="5347053"/>
+            <a:ext cx="3175276" cy="426142"/>
+          </a:xfrm>
+          <a:prstGeom prst="rect">
+            <a:avLst/>
+          </a:prstGeom>
+          <a:noFill/>
+        </p:spPr>
+        <p:txBody>
+          <a:bodyPr wrap="square" rtlCol="0">
+            <a:spAutoFit/>
+          </a:bodyPr>
+          <a:lstStyle/>
+          <a:p>
+            <a:pPr algn="ctr">
+              <a:lnSpc>
+                <a:spcPct val="150000"/>
+              </a:lnSpc>
+            </a:pPr>
+            <a:r>
+              <a:rPr lang="en-US" sz="1600" dirty="0">
+                <a:latin typeface="NanumSquare Light" panose="020B0600000101010101" pitchFamily="34" charset="-127"/>
+                <a:ea typeface="NanumSquare Light" panose="020B0600000101010101" pitchFamily="34" charset="-127"/>
+              </a:rPr>
+              <a:t>&lt; Odd-Even Transposition Sort &gt;</a:t>
+            </a:r>
+            <a:endParaRPr lang="en-KR" sz="1600" dirty="0">
+              <a:solidFill>
+                <a:srgbClr val="C8004E"/>
+              </a:solidFill>
+              <a:latin typeface="NanumSquare Light" panose="020B0600000101010101" pitchFamily="34" charset="-127"/>
+              <a:ea typeface="NanumSquare Light" panose="020B0600000101010101" pitchFamily="34" charset="-127"/>
+            </a:endParaRPr>
+          </a:p>
+        </p:txBody>
+      </p:sp>
+      <p:sp>
+        <p:nvSpPr>
+          <p:cNvPr id="8" name="TextBox 7">
+            <a:extLst>
+              <a:ext uri="{FF2B5EF4-FFF2-40B4-BE49-F238E27FC236}">
+                <a16:creationId xmlns:a16="http://schemas.microsoft.com/office/drawing/2014/main" id="{2B732C7D-CF14-55FA-DCC0-142FAC20FAEB}"/>
+              </a:ext>
+            </a:extLst>
+          </p:cNvPr>
+          <p:cNvSpPr txBox="1"/>
+          <p:nvPr/>
+        </p:nvSpPr>
+        <p:spPr>
+          <a:xfrm>
+            <a:off x="659843" y="2481689"/>
+            <a:ext cx="5436157" cy="1894621"/>
+          </a:xfrm>
+          <a:prstGeom prst="rect">
+            <a:avLst/>
+          </a:prstGeom>
+          <a:noFill/>
+        </p:spPr>
+        <p:txBody>
+          <a:bodyPr wrap="square" rtlCol="0">
+            <a:spAutoFit/>
+          </a:bodyPr>
+          <a:lstStyle/>
+          <a:p>
+            <a:pPr>
+              <a:lnSpc>
+                <a:spcPct val="150000"/>
+              </a:lnSpc>
+            </a:pPr>
+            <a:r>
+              <a:rPr lang="en-KR" sz="2000" dirty="0">
+                <a:latin typeface="NanumSquare Light" panose="020B0600000101010101" pitchFamily="34" charset="-127"/>
+                <a:ea typeface="NanumSquare Light" panose="020B0600000101010101" pitchFamily="34" charset="-127"/>
+              </a:rPr>
+              <a:t>- Variation of Bubble Sort</a:t>
+            </a:r>
+          </a:p>
+          <a:p>
+            <a:pPr>
+              <a:lnSpc>
+                <a:spcPct val="150000"/>
+              </a:lnSpc>
+            </a:pPr>
+            <a:r>
+              <a:rPr lang="en-KR" sz="2000" dirty="0">
+                <a:latin typeface="NanumSquare Light" panose="020B0600000101010101" pitchFamily="34" charset="-127"/>
+                <a:ea typeface="NanumSquare Light" panose="020B0600000101010101" pitchFamily="34" charset="-127"/>
+              </a:rPr>
+              <a:t>- n phases for data size n</a:t>
+            </a:r>
+          </a:p>
+          <a:p>
+            <a:pPr>
+              <a:lnSpc>
+                <a:spcPct val="150000"/>
+              </a:lnSpc>
+            </a:pPr>
+            <a:r>
+              <a:rPr lang="en-KR" sz="2000" dirty="0">
+                <a:latin typeface="NanumSquare Light" panose="020B0600000101010101" pitchFamily="34" charset="-127"/>
+                <a:ea typeface="NanumSquare Light" panose="020B0600000101010101" pitchFamily="34" charset="-127"/>
+              </a:rPr>
+              <a:t>- Serial: O(n^2)</a:t>
+            </a:r>
+          </a:p>
+          <a:p>
+            <a:pPr>
+              <a:lnSpc>
+                <a:spcPct val="150000"/>
+              </a:lnSpc>
+            </a:pPr>
+            <a:r>
+              <a:rPr lang="en-KR" sz="2000" dirty="0">
+                <a:latin typeface="NanumSquare Light" panose="020B0600000101010101" pitchFamily="34" charset="-127"/>
+                <a:ea typeface="NanumSquare Light" panose="020B0600000101010101" pitchFamily="34" charset="-127"/>
+              </a:rPr>
+              <a:t>- Parallel: O(n)</a:t>
+            </a:r>
+            <a:endParaRPr lang="en-KR" sz="2000" dirty="0">
+              <a:solidFill>
+                <a:srgbClr val="C8004E"/>
+              </a:solidFill>
+              <a:latin typeface="NanumSquare Light" panose="020B0600000101010101" pitchFamily="34" charset="-127"/>
+              <a:ea typeface="NanumSquare Light" panose="020B0600000101010101" pitchFamily="34" charset="-127"/>
+            </a:endParaRPr>
+          </a:p>
+        </p:txBody>
+      </p:sp>
+    </p:spTree>
+    <p:extLst>
+      <p:ext uri="{BB962C8B-B14F-4D97-AF65-F5344CB8AC3E}">
+        <p14:creationId xmlns:p14="http://schemas.microsoft.com/office/powerpoint/2010/main" val="1231845947"/>
+      </p:ext>
+    </p:extLst>
+  </p:cSld>
+  <p:clrMapOvr>
+    <a:masterClrMapping/>
+  </p:clrMapOvr>
+</p:sld>
+</file>
+
+<file path=ppt/slides/slide9.xml><?xml version="1.0" encoding="utf-8"?>
+<p:sld xmlns:a="http://schemas.openxmlformats.org/drawingml/2006/main" xmlns:r="http://schemas.openxmlformats.org/officeDocument/2006/relationships" xmlns:p="http://schemas.openxmlformats.org/presentationml/2006/main">
+  <p:cSld>
+    <p:spTree>
+      <p:nvGrpSpPr>
+        <p:cNvPr id="1" name=""/>
+        <p:cNvGrpSpPr/>
+        <p:nvPr/>
+      </p:nvGrpSpPr>
+      <p:grpSpPr>
+        <a:xfrm>
+          <a:off x="0" y="0"/>
+          <a:ext cx="0" cy="0"/>
+          <a:chOff x="0" y="0"/>
+          <a:chExt cx="0" cy="0"/>
+        </a:xfrm>
+      </p:grpSpPr>
+      <p:grpSp>
+        <p:nvGrpSpPr>
+          <p:cNvPr id="4" name="Group 3">
+            <a:extLst>
+              <a:ext uri="{FF2B5EF4-FFF2-40B4-BE49-F238E27FC236}">
+                <a16:creationId xmlns:a16="http://schemas.microsoft.com/office/drawing/2014/main" id="{07D51F58-1B32-D4E6-3E65-9E3542DA2B0B}"/>
+              </a:ext>
+            </a:extLst>
+          </p:cNvPr>
+          <p:cNvGrpSpPr/>
+          <p:nvPr/>
+        </p:nvGrpSpPr>
+        <p:grpSpPr>
+          <a:xfrm>
+            <a:off x="0" y="6488668"/>
+            <a:ext cx="12192000" cy="369332"/>
+            <a:chOff x="0" y="6488668"/>
+            <a:chExt cx="12192000" cy="369332"/>
+          </a:xfrm>
+        </p:grpSpPr>
+        <p:sp>
+          <p:nvSpPr>
+            <p:cNvPr id="5" name="Rectangle 4">
+              <a:extLst>
+                <a:ext uri="{FF2B5EF4-FFF2-40B4-BE49-F238E27FC236}">
+                  <a16:creationId xmlns:a16="http://schemas.microsoft.com/office/drawing/2014/main" id="{13B0D5CE-9B7A-774E-7A23-EB94AC535B35}"/>
+                </a:ext>
+              </a:extLst>
+            </p:cNvPr>
+            <p:cNvSpPr/>
+            <p:nvPr/>
+          </p:nvSpPr>
+          <p:spPr>
+            <a:xfrm>
+              <a:off x="1" y="6488668"/>
+              <a:ext cx="12191999" cy="369332"/>
+            </a:xfrm>
+            <a:prstGeom prst="rect">
+              <a:avLst/>
+            </a:prstGeom>
+            <a:solidFill>
+              <a:srgbClr val="C8004F"/>
+            </a:solidFill>
+            <a:ln>
+              <a:noFill/>
+            </a:ln>
+          </p:spPr>
+          <p:style>
+            <a:lnRef idx="2">
+              <a:schemeClr val="accent1">
+                <a:shade val="15000"/>
+              </a:schemeClr>
+            </a:lnRef>
+            <a:fillRef idx="1">
+              <a:schemeClr val="accent1"/>
+            </a:fillRef>
+            <a:effectRef idx="0">
+              <a:schemeClr val="accent1"/>
+            </a:effectRef>
+            <a:fontRef idx="minor">
+              <a:schemeClr val="lt1"/>
+            </a:fontRef>
+          </p:style>
+          <p:txBody>
+            <a:bodyPr rtlCol="0" anchor="ctr"/>
+            <a:lstStyle/>
+            <a:p>
+              <a:pPr algn="ctr"/>
+              <a:endParaRPr lang="en-KR"/>
+            </a:p>
+          </p:txBody>
+        </p:sp>
+        <p:pic>
+          <p:nvPicPr>
+            <p:cNvPr id="6" name="Picture 5">
+              <a:extLst>
+                <a:ext uri="{FF2B5EF4-FFF2-40B4-BE49-F238E27FC236}">
+                  <a16:creationId xmlns:a16="http://schemas.microsoft.com/office/drawing/2014/main" id="{29ED58B4-DAAB-C03E-3106-FB521D8C0886}"/>
+                </a:ext>
+              </a:extLst>
+            </p:cNvPr>
+            <p:cNvPicPr>
+              <a:picLocks noChangeAspect="1"/>
+            </p:cNvPicPr>
+            <p:nvPr/>
+          </p:nvPicPr>
+          <p:blipFill>
+            <a:blip r:embed="rId2"/>
+            <a:stretch>
+              <a:fillRect/>
+            </a:stretch>
+          </p:blipFill>
+          <p:spPr>
+            <a:xfrm>
+              <a:off x="0" y="6533634"/>
+              <a:ext cx="2044700" cy="279400"/>
+            </a:xfrm>
+            <a:prstGeom prst="rect">
+              <a:avLst/>
+            </a:prstGeom>
+          </p:spPr>
+        </p:pic>
+      </p:grpSp>
+      <p:sp>
+        <p:nvSpPr>
+          <p:cNvPr id="7" name="TextBox 6">
+            <a:extLst>
+              <a:ext uri="{FF2B5EF4-FFF2-40B4-BE49-F238E27FC236}">
+                <a16:creationId xmlns:a16="http://schemas.microsoft.com/office/drawing/2014/main" id="{46D5362D-AC38-83AB-80AF-96F50407520D}"/>
+              </a:ext>
+            </a:extLst>
+          </p:cNvPr>
+          <p:cNvSpPr txBox="1"/>
+          <p:nvPr/>
+        </p:nvSpPr>
+        <p:spPr>
+          <a:xfrm>
+            <a:off x="211016" y="150725"/>
+            <a:ext cx="1850186" cy="461665"/>
+          </a:xfrm>
+          <a:prstGeom prst="rect">
+            <a:avLst/>
+          </a:prstGeom>
+          <a:noFill/>
+        </p:spPr>
+        <p:txBody>
+          <a:bodyPr wrap="none" rtlCol="0">
+            <a:spAutoFit/>
+          </a:bodyPr>
+          <a:lstStyle/>
+          <a:p>
+            <a:r>
+              <a:rPr lang="en-KR" sz="2400" b="1" dirty="0">
+                <a:latin typeface="NanumSquare Bold" panose="020B0600000101010101" pitchFamily="34" charset="-127"/>
+                <a:ea typeface="NanumSquare Bold" panose="020B0600000101010101" pitchFamily="34" charset="-127"/>
+              </a:rPr>
+              <a:t>Experiment</a:t>
+            </a:r>
+          </a:p>
+        </p:txBody>
+      </p:sp>
+      <p:sp>
+        <p:nvSpPr>
+          <p:cNvPr id="2" name="TextBox 1">
+            <a:extLst>
+              <a:ext uri="{FF2B5EF4-FFF2-40B4-BE49-F238E27FC236}">
+                <a16:creationId xmlns:a16="http://schemas.microsoft.com/office/drawing/2014/main" id="{C092ACAF-026A-EE2D-A8D5-F424B0813579}"/>
+              </a:ext>
+            </a:extLst>
+          </p:cNvPr>
+          <p:cNvSpPr txBox="1"/>
+          <p:nvPr/>
+        </p:nvSpPr>
+        <p:spPr>
+          <a:xfrm>
+            <a:off x="497984" y="1953257"/>
+            <a:ext cx="9023419" cy="2817951"/>
+          </a:xfrm>
+          <a:prstGeom prst="rect">
+            <a:avLst/>
+          </a:prstGeom>
+          <a:noFill/>
+        </p:spPr>
+        <p:txBody>
+          <a:bodyPr wrap="square" rtlCol="0">
+            <a:spAutoFit/>
+          </a:bodyPr>
+          <a:lstStyle/>
+          <a:p>
+            <a:pPr>
+              <a:lnSpc>
+                <a:spcPct val="150000"/>
+              </a:lnSpc>
+            </a:pPr>
+            <a:r>
+              <a:rPr lang="en-US" sz="2000" dirty="0">
+                <a:latin typeface="NanumSquare Light" panose="020B0600000101010101" pitchFamily="34" charset="-127"/>
+                <a:ea typeface="NanumSquare Light" panose="020B0600000101010101" pitchFamily="34" charset="-127"/>
+              </a:rPr>
+              <a:t>Baseline: naïve CPU based implemented KNN</a:t>
+            </a:r>
+          </a:p>
+          <a:p>
+            <a:pPr>
+              <a:lnSpc>
+                <a:spcPct val="150000"/>
+              </a:lnSpc>
+            </a:pPr>
+            <a:r>
+              <a:rPr lang="en-US" sz="2000" dirty="0">
+                <a:latin typeface="NanumSquare Light" panose="020B0600000101010101" pitchFamily="34" charset="-127"/>
+                <a:ea typeface="NanumSquare Light" panose="020B0600000101010101" pitchFamily="34" charset="-127"/>
+              </a:rPr>
+              <a:t>- Distance: </a:t>
+            </a:r>
+            <a:r>
+              <a:rPr lang="en-US" sz="2000" dirty="0">
+                <a:solidFill>
+                  <a:srgbClr val="C8004E"/>
+                </a:solidFill>
+                <a:latin typeface="NanumSquare Light" panose="020B0600000101010101" pitchFamily="34" charset="-127"/>
+                <a:ea typeface="NanumSquare Light" panose="020B0600000101010101" pitchFamily="34" charset="-127"/>
+              </a:rPr>
+              <a:t>naïve calculation </a:t>
+            </a:r>
+            <a:r>
+              <a:rPr lang="en-US" sz="2000" dirty="0">
+                <a:latin typeface="NanumSquare Light" panose="020B0600000101010101" pitchFamily="34" charset="-127"/>
+                <a:ea typeface="NanumSquare Light" panose="020B0600000101010101" pitchFamily="34" charset="-127"/>
+              </a:rPr>
+              <a:t>in </a:t>
+            </a:r>
+            <a:r>
+              <a:rPr lang="en-US" sz="2000" dirty="0">
+                <a:solidFill>
+                  <a:srgbClr val="C8004E"/>
+                </a:solidFill>
+                <a:latin typeface="NanumSquare Light" panose="020B0600000101010101" pitchFamily="34" charset="-127"/>
+                <a:ea typeface="NanumSquare Light" panose="020B0600000101010101" pitchFamily="34" charset="-127"/>
+              </a:rPr>
+              <a:t>serial</a:t>
+            </a:r>
+          </a:p>
+          <a:p>
+            <a:pPr>
+              <a:lnSpc>
+                <a:spcPct val="150000"/>
+              </a:lnSpc>
+            </a:pPr>
+            <a:r>
+              <a:rPr lang="en-US" sz="2000" dirty="0">
+                <a:latin typeface="NanumSquare Light" panose="020B0600000101010101" pitchFamily="34" charset="-127"/>
+                <a:ea typeface="NanumSquare Light" panose="020B0600000101010101" pitchFamily="34" charset="-127"/>
+              </a:rPr>
+              <a:t>- Sorting: </a:t>
+            </a:r>
+            <a:r>
+              <a:rPr lang="en-US" sz="2000" dirty="0">
+                <a:solidFill>
+                  <a:srgbClr val="C8004E"/>
+                </a:solidFill>
+                <a:latin typeface="NanumSquare Light" panose="020B0600000101010101" pitchFamily="34" charset="-127"/>
+                <a:ea typeface="NanumSquare Light" panose="020B0600000101010101" pitchFamily="34" charset="-127"/>
+              </a:rPr>
+              <a:t>quick sort </a:t>
+            </a:r>
+            <a:r>
+              <a:rPr lang="en-US" sz="2000" dirty="0">
+                <a:latin typeface="NanumSquare Light" panose="020B0600000101010101" pitchFamily="34" charset="-127"/>
+                <a:ea typeface="NanumSquare Light" panose="020B0600000101010101" pitchFamily="34" charset="-127"/>
+              </a:rPr>
+              <a:t>in </a:t>
+            </a:r>
+            <a:r>
+              <a:rPr lang="en-US" sz="2000" dirty="0">
+                <a:solidFill>
+                  <a:srgbClr val="C8004E"/>
+                </a:solidFill>
+                <a:latin typeface="NanumSquare Light" panose="020B0600000101010101" pitchFamily="34" charset="-127"/>
+                <a:ea typeface="NanumSquare Light" panose="020B0600000101010101" pitchFamily="34" charset="-127"/>
+              </a:rPr>
+              <a:t>serial</a:t>
+            </a:r>
+          </a:p>
+          <a:p>
+            <a:pPr>
+              <a:lnSpc>
+                <a:spcPct val="150000"/>
+              </a:lnSpc>
+            </a:pPr>
+            <a:r>
+              <a:rPr lang="en-US" sz="2000" dirty="0">
+                <a:latin typeface="NanumSquare Light" panose="020B0600000101010101" pitchFamily="34" charset="-127"/>
+                <a:ea typeface="NanumSquare Light" panose="020B0600000101010101" pitchFamily="34" charset="-127"/>
+              </a:rPr>
+              <a:t>Experiment #1: improved CUDA based implemented KNN</a:t>
+            </a:r>
+          </a:p>
+          <a:p>
+            <a:pPr>
+              <a:lnSpc>
+                <a:spcPct val="150000"/>
+              </a:lnSpc>
+            </a:pPr>
+            <a:r>
+              <a:rPr lang="en-US" sz="2000" dirty="0">
+                <a:latin typeface="NanumSquare Light" panose="020B0600000101010101" pitchFamily="34" charset="-127"/>
+                <a:ea typeface="NanumSquare Light" panose="020B0600000101010101" pitchFamily="34" charset="-127"/>
+              </a:rPr>
+              <a:t>- Distance: </a:t>
+            </a:r>
+            <a:r>
+              <a:rPr lang="en-US" sz="2000" dirty="0">
+                <a:solidFill>
+                  <a:srgbClr val="C8004E"/>
+                </a:solidFill>
+                <a:latin typeface="NanumSquare Light" panose="020B0600000101010101" pitchFamily="34" charset="-127"/>
+                <a:ea typeface="NanumSquare Light" panose="020B0600000101010101" pitchFamily="34" charset="-127"/>
+              </a:rPr>
+              <a:t>matrix tiling based calculation </a:t>
+            </a:r>
+            <a:r>
+              <a:rPr lang="en-US" sz="2000" dirty="0">
+                <a:latin typeface="NanumSquare Light" panose="020B0600000101010101" pitchFamily="34" charset="-127"/>
+                <a:ea typeface="NanumSquare Light" panose="020B0600000101010101" pitchFamily="34" charset="-127"/>
+              </a:rPr>
+              <a:t>in </a:t>
+            </a:r>
+            <a:r>
+              <a:rPr lang="en-US" sz="2000" dirty="0">
+                <a:solidFill>
+                  <a:srgbClr val="C8004E"/>
+                </a:solidFill>
+                <a:latin typeface="NanumSquare Light" panose="020B0600000101010101" pitchFamily="34" charset="-127"/>
+                <a:ea typeface="NanumSquare Light" panose="020B0600000101010101" pitchFamily="34" charset="-127"/>
+              </a:rPr>
+              <a:t>parallel</a:t>
+            </a:r>
+          </a:p>
+          <a:p>
+            <a:pPr>
+              <a:lnSpc>
+                <a:spcPct val="150000"/>
+              </a:lnSpc>
+            </a:pPr>
+            <a:r>
+              <a:rPr lang="en-US" sz="2000" dirty="0">
+                <a:latin typeface="NanumSquare Light" panose="020B0600000101010101" pitchFamily="34" charset="-127"/>
+                <a:ea typeface="NanumSquare Light" panose="020B0600000101010101" pitchFamily="34" charset="-127"/>
+              </a:rPr>
+              <a:t>- Sorting: </a:t>
+            </a:r>
+            <a:r>
+              <a:rPr lang="en-US" sz="2000" dirty="0">
+                <a:solidFill>
+                  <a:srgbClr val="C8004E"/>
+                </a:solidFill>
+                <a:latin typeface="NanumSquare Light" panose="020B0600000101010101" pitchFamily="34" charset="-127"/>
+                <a:ea typeface="NanumSquare Light" panose="020B0600000101010101" pitchFamily="34" charset="-127"/>
+              </a:rPr>
+              <a:t>Odd-Even transposition sorting </a:t>
+            </a:r>
+            <a:r>
+              <a:rPr lang="en-US" sz="2000" dirty="0">
+                <a:latin typeface="NanumSquare Light" panose="020B0600000101010101" pitchFamily="34" charset="-127"/>
+                <a:ea typeface="NanumSquare Light" panose="020B0600000101010101" pitchFamily="34" charset="-127"/>
+              </a:rPr>
+              <a:t>in </a:t>
+            </a:r>
+            <a:r>
+              <a:rPr lang="en-US" sz="2000" dirty="0">
+                <a:solidFill>
+                  <a:srgbClr val="C8004E"/>
+                </a:solidFill>
+                <a:latin typeface="NanumSquare Light" panose="020B0600000101010101" pitchFamily="34" charset="-127"/>
+                <a:ea typeface="NanumSquare Light" panose="020B0600000101010101" pitchFamily="34" charset="-127"/>
+              </a:rPr>
+              <a:t>parallel</a:t>
+            </a:r>
+          </a:p>
+        </p:txBody>
+      </p:sp>
+    </p:spTree>
+    <p:extLst>
+      <p:ext uri="{BB962C8B-B14F-4D97-AF65-F5344CB8AC3E}">
+        <p14:creationId xmlns:p14="http://schemas.microsoft.com/office/powerpoint/2010/main" val="2932959259"/>
       </p:ext>
     </p:extLst>
   </p:cSld>
